--- a/Shared/[패스트캠퍼스] 6강의자료_김경원박사.pptx
+++ b/Shared/[패스트캠퍼스] 6강의자료_김경원박사.pptx
@@ -5,43 +5,30 @@
     <p:sldMasterId id="2147483648" r:id="rId1"/>
   </p:sldMasterIdLst>
   <p:notesMasterIdLst>
-    <p:notesMasterId r:id="rId25"/>
+    <p:notesMasterId r:id="rId12"/>
   </p:notesMasterIdLst>
   <p:handoutMasterIdLst>
-    <p:handoutMasterId r:id="rId26"/>
+    <p:handoutMasterId r:id="rId13"/>
   </p:handoutMasterIdLst>
   <p:sldIdLst>
     <p:sldId id="1063" r:id="rId2"/>
-    <p:sldId id="1103" r:id="rId3"/>
-    <p:sldId id="1142" r:id="rId4"/>
+    <p:sldId id="1142" r:id="rId3"/>
+    <p:sldId id="1103" r:id="rId4"/>
     <p:sldId id="1178" r:id="rId5"/>
     <p:sldId id="1179" r:id="rId6"/>
     <p:sldId id="1185" r:id="rId7"/>
     <p:sldId id="1199" r:id="rId8"/>
-    <p:sldId id="1186" r:id="rId9"/>
-    <p:sldId id="1187" r:id="rId10"/>
-    <p:sldId id="1188" r:id="rId11"/>
-    <p:sldId id="1189" r:id="rId12"/>
-    <p:sldId id="1190" r:id="rId13"/>
-    <p:sldId id="1191" r:id="rId14"/>
-    <p:sldId id="1192" r:id="rId15"/>
-    <p:sldId id="1193" r:id="rId16"/>
-    <p:sldId id="1194" r:id="rId17"/>
-    <p:sldId id="1195" r:id="rId18"/>
-    <p:sldId id="1196" r:id="rId19"/>
-    <p:sldId id="1197" r:id="rId20"/>
-    <p:sldId id="1198" r:id="rId21"/>
-    <p:sldId id="1200" r:id="rId22"/>
-    <p:sldId id="1201" r:id="rId23"/>
-    <p:sldId id="1062" r:id="rId24"/>
+    <p:sldId id="1202" r:id="rId9"/>
+    <p:sldId id="1203" r:id="rId10"/>
+    <p:sldId id="1062" r:id="rId11"/>
   </p:sldIdLst>
   <p:sldSz cx="12160250" cy="6840538"/>
   <p:notesSz cx="9874250" cy="6797675"/>
   <p:embeddedFontLst>
     <p:embeddedFont>
       <p:font typeface="맑은 고딕" panose="020B0503020000020004" pitchFamily="50" charset="-127"/>
-      <p:regular r:id="rId27"/>
-      <p:bold r:id="rId28"/>
+      <p:regular r:id="rId14"/>
+      <p:bold r:id="rId15"/>
     </p:embeddedFont>
   </p:embeddedFontLst>
   <p:defaultTextStyle>
@@ -254,7 +241,7 @@
           <a:p>
             <a:fld id="{FC718EE8-BF93-4A17-BED5-FC99EECA5FC7}" type="datetimeFigureOut">
               <a:rPr lang="ko-KR" altLang="en-US" smtClean="0"/>
-              <a:t>2019-03-27</a:t>
+              <a:t>2019-07-15</a:t>
             </a:fld>
             <a:endParaRPr lang="ko-KR" altLang="en-US"/>
           </a:p>
@@ -419,7 +406,7 @@
           <a:p>
             <a:fld id="{6101F873-BA02-446B-9127-C4DE4310B943}" type="datetimeFigureOut">
               <a:rPr lang="ko-KR" altLang="en-US" smtClean="0"/>
-              <a:t>2019-03-27</a:t>
+              <a:t>2019-07-15</a:t>
             </a:fld>
             <a:endParaRPr lang="ko-KR" altLang="en-US"/>
           </a:p>
@@ -751,7 +738,7 @@
           <a:p>
             <a:fld id="{C191BC67-C438-4515-9D3F-F10D40F1354A}" type="slidenum">
               <a:rPr lang="ko-KR" altLang="en-US" smtClean="0"/>
-              <a:t>3</a:t>
+              <a:t>2</a:t>
             </a:fld>
             <a:endParaRPr lang="ko-KR" altLang="en-US"/>
           </a:p>
@@ -949,7 +936,7 @@
           <a:p>
             <a:fld id="{89B5E594-86C5-4F1D-8812-38DF40064943}" type="datetime1">
               <a:rPr lang="ko-KR" altLang="en-US" smtClean="0"/>
-              <a:t>2019-03-27</a:t>
+              <a:t>2019-07-15</a:t>
             </a:fld>
             <a:endParaRPr lang="ko-KR" altLang="en-US"/>
           </a:p>
@@ -1157,7 +1144,7 @@
           <a:p>
             <a:fld id="{05C0B17C-522D-4CD8-8139-01EDEBAB2AF6}" type="datetime1">
               <a:rPr lang="ko-KR" altLang="en-US" smtClean="0"/>
-              <a:t>2019-03-27</a:t>
+              <a:t>2019-07-15</a:t>
             </a:fld>
             <a:endParaRPr lang="ko-KR" altLang="en-US"/>
           </a:p>
@@ -1335,7 +1322,7 @@
           <a:p>
             <a:fld id="{7345261C-38F3-40E7-AAA6-CE27B727AA65}" type="datetime1">
               <a:rPr lang="ko-KR" altLang="en-US" smtClean="0"/>
-              <a:t>2019-03-27</a:t>
+              <a:t>2019-07-15</a:t>
             </a:fld>
             <a:endParaRPr lang="ko-KR" altLang="en-US"/>
           </a:p>
@@ -1503,7 +1490,7 @@
           <a:p>
             <a:fld id="{A8472951-AD8C-47B8-8787-30E2F4BFA1EA}" type="datetime1">
               <a:rPr lang="ko-KR" altLang="en-US" smtClean="0"/>
-              <a:t>2019-03-27</a:t>
+              <a:t>2019-07-15</a:t>
             </a:fld>
             <a:endParaRPr lang="ko-KR" altLang="en-US"/>
           </a:p>
@@ -1758,7 +1745,7 @@
           <a:p>
             <a:fld id="{8BCB1BBF-13D1-46E6-8B8B-C9F26A0BAD91}" type="datetime1">
               <a:rPr lang="ko-KR" altLang="en-US" smtClean="0"/>
-              <a:t>2019-03-27</a:t>
+              <a:t>2019-07-15</a:t>
             </a:fld>
             <a:endParaRPr lang="ko-KR" altLang="en-US"/>
           </a:p>
@@ -2043,7 +2030,7 @@
           <a:p>
             <a:fld id="{B16FDC3D-FD6A-49DF-B101-11717D57279F}" type="datetime1">
               <a:rPr lang="ko-KR" altLang="en-US" smtClean="0"/>
-              <a:t>2019-03-27</a:t>
+              <a:t>2019-07-15</a:t>
             </a:fld>
             <a:endParaRPr lang="ko-KR" altLang="en-US"/>
           </a:p>
@@ -2462,7 +2449,7 @@
           <a:p>
             <a:fld id="{42D411A2-FD90-4A19-98A8-25197A66BC26}" type="datetime1">
               <a:rPr lang="ko-KR" altLang="en-US" smtClean="0"/>
-              <a:t>2019-03-27</a:t>
+              <a:t>2019-07-15</a:t>
             </a:fld>
             <a:endParaRPr lang="ko-KR" altLang="en-US"/>
           </a:p>
@@ -2579,7 +2566,7 @@
           <a:p>
             <a:fld id="{F6E6B532-6471-449A-9A2F-4428556C2F98}" type="datetime1">
               <a:rPr lang="ko-KR" altLang="en-US" smtClean="0"/>
-              <a:t>2019-03-27</a:t>
+              <a:t>2019-07-15</a:t>
             </a:fld>
             <a:endParaRPr lang="ko-KR" altLang="en-US"/>
           </a:p>
@@ -2674,7 +2661,7 @@
           <a:p>
             <a:fld id="{45A9E13B-856D-4562-A86D-A2B6F7BF810F}" type="datetime1">
               <a:rPr lang="ko-KR" altLang="en-US" smtClean="0"/>
-              <a:t>2019-03-27</a:t>
+              <a:t>2019-07-15</a:t>
             </a:fld>
             <a:endParaRPr lang="ko-KR" altLang="en-US"/>
           </a:p>
@@ -2949,7 +2936,7 @@
           <a:p>
             <a:fld id="{A672FB3A-7E9E-4380-9381-6FCA87FBB41A}" type="datetime1">
               <a:rPr lang="ko-KR" altLang="en-US" smtClean="0"/>
-              <a:t>2019-03-27</a:t>
+              <a:t>2019-07-15</a:t>
             </a:fld>
             <a:endParaRPr lang="ko-KR" altLang="en-US"/>
           </a:p>
@@ -3201,7 +3188,7 @@
           <a:p>
             <a:fld id="{3948CCBA-1514-4E9E-888A-807450F810B0}" type="datetime1">
               <a:rPr lang="ko-KR" altLang="en-US" smtClean="0"/>
-              <a:t>2019-03-27</a:t>
+              <a:t>2019-07-15</a:t>
             </a:fld>
             <a:endParaRPr lang="ko-KR" altLang="en-US"/>
           </a:p>
@@ -3414,7 +3401,7 @@
           <a:p>
             <a:fld id="{170EDEE7-370E-499F-B978-ABF387098974}" type="datetime1">
               <a:rPr lang="ko-KR" altLang="en-US" smtClean="0"/>
-              <a:t>2019-03-27</a:t>
+              <a:t>2019-07-15</a:t>
             </a:fld>
             <a:endParaRPr lang="ko-KR" altLang="en-US" dirty="0"/>
           </a:p>
@@ -3830,14 +3817,20 @@
       </p:grpSpPr>
       <p:sp>
         <p:nvSpPr>
-          <p:cNvPr id="4" name="TextBox 3"/>
+          <p:cNvPr id="5" name="TextBox 4">
+            <a:extLst>
+              <a:ext uri="{FF2B5EF4-FFF2-40B4-BE49-F238E27FC236}">
+                <a16:creationId xmlns:a16="http://schemas.microsoft.com/office/drawing/2014/main" id="{D9350294-B0E9-4431-B676-87CC33462B17}"/>
+              </a:ext>
+            </a:extLst>
+          </p:cNvPr>
           <p:cNvSpPr txBox="1"/>
           <p:nvPr/>
         </p:nvSpPr>
         <p:spPr>
           <a:xfrm>
-            <a:off x="895549" y="1835358"/>
-            <a:ext cx="10283475" cy="973636"/>
+            <a:off x="643521" y="1620069"/>
+            <a:ext cx="10873208" cy="2881851"/>
           </a:xfrm>
           <a:prstGeom prst="rect">
             <a:avLst/>
@@ -3850,138 +3843,116 @@
           </a:bodyPr>
           <a:lstStyle/>
           <a:p>
-            <a:r>
-              <a:rPr lang="en-US" altLang="ko-KR" sz="2800" dirty="0">
+            <a:pPr algn="ctr"/>
+            <a:r>
+              <a:rPr lang="en-US" altLang="ko-KR" sz="3600" dirty="0">
                 <a:latin typeface="Noto Sans CJK KR Black" pitchFamily="34" charset="-127"/>
                 <a:ea typeface="Noto Sans CJK KR Black" pitchFamily="34" charset="-127"/>
               </a:rPr>
-              <a:t>Part3. </a:t>
-            </a:r>
-            <a:r>
-              <a:rPr lang="ko-KR" altLang="en-US" sz="2800" dirty="0">
+              <a:t>Chapter 3.</a:t>
+            </a:r>
+          </a:p>
+          <a:p>
+            <a:pPr algn="ctr"/>
+            <a:r>
+              <a:rPr lang="en-US" altLang="ko-KR" sz="3600" dirty="0">
                 <a:latin typeface="Noto Sans CJK KR Black" pitchFamily="34" charset="-127"/>
                 <a:ea typeface="Noto Sans CJK KR Black" pitchFamily="34" charset="-127"/>
               </a:rPr>
-              <a:t>선형</a:t>
-            </a:r>
-            <a:r>
-              <a:rPr lang="en-US" altLang="ko-KR" sz="2800" dirty="0">
+              <a:t> </a:t>
+            </a:r>
+          </a:p>
+          <a:p>
+            <a:pPr algn="ctr"/>
+            <a:r>
+              <a:rPr lang="ko-KR" altLang="en-US" sz="3600" dirty="0" err="1">
                 <a:latin typeface="Noto Sans CJK KR Black" pitchFamily="34" charset="-127"/>
                 <a:ea typeface="Noto Sans CJK KR Black" pitchFamily="34" charset="-127"/>
               </a:rPr>
-              <a:t>/</a:t>
-            </a:r>
-            <a:r>
-              <a:rPr lang="ko-KR" altLang="en-US" sz="2800" dirty="0">
+              <a:t>머신러닝</a:t>
+            </a:r>
+            <a:r>
+              <a:rPr lang="ko-KR" altLang="en-US" sz="3600" dirty="0">
                 <a:latin typeface="Noto Sans CJK KR Black" pitchFamily="34" charset="-127"/>
                 <a:ea typeface="Noto Sans CJK KR Black" pitchFamily="34" charset="-127"/>
               </a:rPr>
-              <a:t>비선형</a:t>
-            </a:r>
-            <a:r>
-              <a:rPr lang="en-US" altLang="ko-KR" sz="2800" dirty="0">
+              <a:t> 모형 비교를 통한 </a:t>
+            </a:r>
+            <a:endParaRPr lang="en-US" altLang="ko-KR" sz="3600" dirty="0">
+              <a:latin typeface="Noto Sans CJK KR Black" pitchFamily="34" charset="-127"/>
+              <a:ea typeface="Noto Sans CJK KR Black" pitchFamily="34" charset="-127"/>
+            </a:endParaRPr>
+          </a:p>
+          <a:p>
+            <a:pPr algn="ctr"/>
+            <a:r>
+              <a:rPr lang="ko-KR" altLang="en-US" sz="3600" dirty="0">
                 <a:latin typeface="Noto Sans CJK KR Black" pitchFamily="34" charset="-127"/>
                 <a:ea typeface="Noto Sans CJK KR Black" pitchFamily="34" charset="-127"/>
               </a:rPr>
-              <a:t>/</a:t>
-            </a:r>
-            <a:r>
-              <a:rPr lang="ko-KR" altLang="en-US" sz="2800" dirty="0" err="1">
+              <a:t>시계열 모형 이해 및 적용하기</a:t>
+            </a:r>
+            <a:endParaRPr lang="en-US" altLang="ko-KR" sz="3600" dirty="0">
+              <a:latin typeface="Noto Sans CJK KR Black" pitchFamily="34" charset="-127"/>
+              <a:ea typeface="Noto Sans CJK KR Black" pitchFamily="34" charset="-127"/>
+            </a:endParaRPr>
+          </a:p>
+          <a:p>
+            <a:pPr algn="ctr"/>
+            <a:r>
+              <a:rPr lang="en-US" altLang="ko-KR" sz="3600" dirty="0">
                 <a:latin typeface="Noto Sans CJK KR Black" pitchFamily="34" charset="-127"/>
                 <a:ea typeface="Noto Sans CJK KR Black" pitchFamily="34" charset="-127"/>
               </a:rPr>
-              <a:t>다변량</a:t>
-            </a:r>
-            <a:r>
-              <a:rPr lang="ko-KR" altLang="en-US" sz="2800" dirty="0">
+              <a:t>(</a:t>
+            </a:r>
+            <a:r>
+              <a:rPr lang="ko-KR" altLang="en-US" sz="3600" dirty="0">
                 <a:latin typeface="Noto Sans CJK KR Black" pitchFamily="34" charset="-127"/>
                 <a:ea typeface="Noto Sans CJK KR Black" pitchFamily="34" charset="-127"/>
               </a:rPr>
-              <a:t> 시계열 모델 이해</a:t>
-            </a:r>
-            <a:endParaRPr lang="en-US" altLang="ko-KR" sz="2800" dirty="0">
-              <a:latin typeface="Noto Sans CJK KR Black" pitchFamily="34" charset="-127"/>
-              <a:ea typeface="Noto Sans CJK KR Black" pitchFamily="34" charset="-127"/>
-            </a:endParaRPr>
-          </a:p>
-          <a:p>
-            <a:pPr marL="685800" indent="-685800">
-              <a:buFontTx/>
-              <a:buChar char="-"/>
-            </a:pPr>
-            <a:r>
-              <a:rPr lang="en-US" altLang="ko-KR" sz="2800" dirty="0">
+              <a:t>총</a:t>
+            </a:r>
+            <a:r>
+              <a:rPr lang="en-US" altLang="ko-KR" sz="3600" dirty="0">
                 <a:latin typeface="Noto Sans CJK KR Black" pitchFamily="34" charset="-127"/>
                 <a:ea typeface="Noto Sans CJK KR Black" pitchFamily="34" charset="-127"/>
               </a:rPr>
-              <a:t>6</a:t>
-            </a:r>
-            <a:r>
-              <a:rPr lang="ko-KR" altLang="en-US" sz="2800" dirty="0" err="1">
+              <a:t>4</a:t>
+            </a:r>
+            <a:r>
+              <a:rPr lang="ko-KR" altLang="en-US" sz="3600" dirty="0">
                 <a:latin typeface="Noto Sans CJK KR Black" pitchFamily="34" charset="-127"/>
                 <a:ea typeface="Noto Sans CJK KR Black" pitchFamily="34" charset="-127"/>
               </a:rPr>
-              <a:t>회차</a:t>
-            </a:r>
-            <a:r>
-              <a:rPr lang="en-US" altLang="ko-KR" sz="2800" dirty="0">
+              <a:t>주</a:t>
+            </a:r>
+            <a:r>
+              <a:rPr lang="en-US" altLang="ko-KR" sz="3600" dirty="0">
                 <a:latin typeface="Noto Sans CJK KR Black" pitchFamily="34" charset="-127"/>
                 <a:ea typeface="Noto Sans CJK KR Black" pitchFamily="34" charset="-127"/>
               </a:rPr>
-              <a:t>: </a:t>
-            </a:r>
-            <a:r>
-              <a:rPr lang="ko-KR" altLang="en-US" sz="2800" dirty="0">
-                <a:latin typeface="Noto Sans CJK KR Black" pitchFamily="34" charset="-127"/>
-                <a:ea typeface="Noto Sans CJK KR Black" pitchFamily="34" charset="-127"/>
-              </a:rPr>
-              <a:t>시계열 모델링 접근방법 이해 및 </a:t>
-            </a:r>
-            <a:r>
-              <a:rPr lang="en-US" altLang="ko-KR" sz="2800" dirty="0">
-                <a:latin typeface="Noto Sans CJK KR Black" pitchFamily="34" charset="-127"/>
-                <a:ea typeface="Noto Sans CJK KR Black" pitchFamily="34" charset="-127"/>
-              </a:rPr>
-              <a:t>“</a:t>
-            </a:r>
-            <a:r>
-              <a:rPr lang="ko-KR" altLang="en-US" sz="2800" dirty="0">
-                <a:latin typeface="Noto Sans CJK KR Black" pitchFamily="34" charset="-127"/>
-                <a:ea typeface="Noto Sans CJK KR Black" pitchFamily="34" charset="-127"/>
-              </a:rPr>
-              <a:t>선형 시계열분석</a:t>
-            </a:r>
-            <a:r>
-              <a:rPr lang="en-US" altLang="ko-KR" sz="2800" dirty="0">
-                <a:latin typeface="Noto Sans CJK KR Black" pitchFamily="34" charset="-127"/>
-                <a:ea typeface="Noto Sans CJK KR Black" pitchFamily="34" charset="-127"/>
-              </a:rPr>
-              <a:t>”</a:t>
-            </a:r>
-            <a:r>
-              <a:rPr lang="ko-KR" altLang="en-US" sz="2800" dirty="0">
-                <a:latin typeface="Noto Sans CJK KR Black" pitchFamily="34" charset="-127"/>
-                <a:ea typeface="Noto Sans CJK KR Black" pitchFamily="34" charset="-127"/>
-              </a:rPr>
-              <a:t> 완성</a:t>
-            </a:r>
-            <a:endParaRPr lang="en-US" altLang="ko-KR" sz="2800" dirty="0">
-              <a:latin typeface="Noto Sans CJK KR Black" pitchFamily="34" charset="-127"/>
-              <a:ea typeface="Noto Sans CJK KR Black" pitchFamily="34" charset="-127"/>
-            </a:endParaRPr>
-          </a:p>
-        </p:txBody>
-      </p:sp>
-      <p:sp>
-        <p:nvSpPr>
-          <p:cNvPr id="7" name="TextBox 6"/>
+              <a:t>)</a:t>
+            </a:r>
+          </a:p>
+        </p:txBody>
+      </p:sp>
+      <p:sp>
+        <p:nvSpPr>
+          <p:cNvPr id="6" name="TextBox 5">
+            <a:extLst>
+              <a:ext uri="{FF2B5EF4-FFF2-40B4-BE49-F238E27FC236}">
+                <a16:creationId xmlns:a16="http://schemas.microsoft.com/office/drawing/2014/main" id="{71D975CD-8ACC-45CF-BB92-7BD42E23306F}"/>
+              </a:ext>
+            </a:extLst>
+          </p:cNvPr>
           <p:cNvSpPr txBox="1"/>
           <p:nvPr/>
         </p:nvSpPr>
         <p:spPr>
           <a:xfrm>
-            <a:off x="1047949" y="4081911"/>
-            <a:ext cx="10131075" cy="850526"/>
+            <a:off x="1047949" y="4883291"/>
+            <a:ext cx="10131075" cy="481194"/>
           </a:xfrm>
           <a:prstGeom prst="rect">
             <a:avLst/>
@@ -3993,16 +3964,6 @@
             <a:spAutoFit/>
           </a:bodyPr>
           <a:lstStyle/>
-          <a:p>
-            <a:pPr algn="r"/>
-            <a:r>
-              <a:rPr lang="en-US" altLang="ko-KR" sz="2400" dirty="0">
-                <a:latin typeface="Noto Sans CJK KR Medium" pitchFamily="34" charset="-127"/>
-                <a:ea typeface="Noto Sans CJK KR Medium" pitchFamily="34" charset="-127"/>
-              </a:rPr>
-              <a:t>2019.03.27.</a:t>
-            </a:r>
-          </a:p>
           <a:p>
             <a:pPr algn="r"/>
             <a:r>
@@ -4036,2266 +3997,6 @@
 </file>
 
 <file path=ppt/slides/slide10.xml><?xml version="1.0" encoding="utf-8"?>
-<p:sld xmlns:a="http://schemas.openxmlformats.org/drawingml/2006/main" xmlns:r="http://schemas.openxmlformats.org/officeDocument/2006/relationships" xmlns:p="http://schemas.openxmlformats.org/presentationml/2006/main">
-  <p:cSld>
-    <p:spTree>
-      <p:nvGrpSpPr>
-        <p:cNvPr id="1" name=""/>
-        <p:cNvGrpSpPr/>
-        <p:nvPr/>
-      </p:nvGrpSpPr>
-      <p:grpSpPr>
-        <a:xfrm>
-          <a:off x="0" y="0"/>
-          <a:ext cx="0" cy="0"/>
-          <a:chOff x="0" y="0"/>
-          <a:chExt cx="0" cy="0"/>
-        </a:xfrm>
-      </p:grpSpPr>
-      <p:sp>
-        <p:nvSpPr>
-          <p:cNvPr id="5" name="제목 4"/>
-          <p:cNvSpPr>
-            <a:spLocks noGrp="1"/>
-          </p:cNvSpPr>
-          <p:nvPr>
-            <p:ph type="title"/>
-          </p:nvPr>
-        </p:nvSpPr>
-        <p:spPr>
-          <a:xfrm>
-            <a:off x="608016" y="551987"/>
-            <a:ext cx="10944225" cy="1140090"/>
-          </a:xfrm>
-        </p:spPr>
-        <p:txBody>
-          <a:bodyPr>
-            <a:normAutofit/>
-          </a:bodyPr>
-          <a:lstStyle/>
-          <a:p>
-            <a:pPr algn="l"/>
-            <a:r>
-              <a:rPr lang="en-US" altLang="ko-KR" sz="4400" dirty="0">
-                <a:solidFill>
-                  <a:schemeClr val="tx1">
-                    <a:lumMod val="75000"/>
-                    <a:lumOff val="25000"/>
-                  </a:schemeClr>
-                </a:solidFill>
-                <a:latin typeface="Noto Sans CJK KR Black" pitchFamily="34" charset="-127"/>
-                <a:ea typeface="Noto Sans CJK KR Black" pitchFamily="34" charset="-127"/>
-              </a:rPr>
-              <a:t>2. </a:t>
-            </a:r>
-            <a:r>
-              <a:rPr lang="ko-KR" altLang="en-US" sz="4400" dirty="0">
-                <a:solidFill>
-                  <a:schemeClr val="tx1">
-                    <a:lumMod val="75000"/>
-                    <a:lumOff val="25000"/>
-                  </a:schemeClr>
-                </a:solidFill>
-                <a:latin typeface="Noto Sans CJK KR Black" pitchFamily="34" charset="-127"/>
-                <a:ea typeface="Noto Sans CJK KR Black" pitchFamily="34" charset="-127"/>
-              </a:rPr>
-              <a:t>시계열 알고리즘</a:t>
-            </a:r>
-            <a:endParaRPr lang="ko-KR" altLang="en-US" sz="4400" dirty="0">
-              <a:solidFill>
-                <a:schemeClr val="tx1">
-                  <a:lumMod val="75000"/>
-                  <a:lumOff val="25000"/>
-                </a:schemeClr>
-              </a:solidFill>
-            </a:endParaRPr>
-          </a:p>
-        </p:txBody>
-      </p:sp>
-      <p:sp>
-        <p:nvSpPr>
-          <p:cNvPr id="3" name="슬라이드 번호 개체 틀 2"/>
-          <p:cNvSpPr>
-            <a:spLocks noGrp="1"/>
-          </p:cNvSpPr>
-          <p:nvPr>
-            <p:ph type="sldNum" sz="quarter" idx="12"/>
-          </p:nvPr>
-        </p:nvSpPr>
-        <p:spPr/>
-        <p:txBody>
-          <a:bodyPr/>
-          <a:lstStyle/>
-          <a:p>
-            <a:fld id="{6DDAE2C3-1A0B-474A-8CE8-AE55B8D9D4B1}" type="slidenum">
-              <a:rPr lang="ko-KR" altLang="en-US" smtClean="0"/>
-              <a:pPr/>
-              <a:t>10</a:t>
-            </a:fld>
-            <a:endParaRPr lang="ko-KR" altLang="en-US" dirty="0"/>
-          </a:p>
-        </p:txBody>
-      </p:sp>
-      <p:pic>
-        <p:nvPicPr>
-          <p:cNvPr id="2" name="그림 1">
-            <a:extLst>
-              <a:ext uri="{FF2B5EF4-FFF2-40B4-BE49-F238E27FC236}">
-                <a16:creationId xmlns:a16="http://schemas.microsoft.com/office/drawing/2014/main" id="{0B17A6A7-F5A2-4D11-AB36-B6381C62B4BD}"/>
-              </a:ext>
-            </a:extLst>
-          </p:cNvPr>
-          <p:cNvPicPr>
-            <a:picLocks noChangeAspect="1"/>
-          </p:cNvPicPr>
-          <p:nvPr/>
-        </p:nvPicPr>
-        <p:blipFill>
-          <a:blip r:embed="rId2"/>
-          <a:stretch>
-            <a:fillRect/>
-          </a:stretch>
-        </p:blipFill>
-        <p:spPr>
-          <a:xfrm>
-            <a:off x="1770062" y="2124125"/>
-            <a:ext cx="8620125" cy="3057525"/>
-          </a:xfrm>
-          <a:prstGeom prst="rect">
-            <a:avLst/>
-          </a:prstGeom>
-        </p:spPr>
-      </p:pic>
-    </p:spTree>
-    <p:extLst>
-      <p:ext uri="{BB962C8B-B14F-4D97-AF65-F5344CB8AC3E}">
-        <p14:creationId xmlns:p14="http://schemas.microsoft.com/office/powerpoint/2010/main" val="1011326395"/>
-      </p:ext>
-    </p:extLst>
-  </p:cSld>
-  <p:clrMapOvr>
-    <a:masterClrMapping/>
-  </p:clrMapOvr>
-</p:sld>
-</file>
-
-<file path=ppt/slides/slide11.xml><?xml version="1.0" encoding="utf-8"?>
-<p:sld xmlns:a="http://schemas.openxmlformats.org/drawingml/2006/main" xmlns:r="http://schemas.openxmlformats.org/officeDocument/2006/relationships" xmlns:p="http://schemas.openxmlformats.org/presentationml/2006/main">
-  <p:cSld>
-    <p:spTree>
-      <p:nvGrpSpPr>
-        <p:cNvPr id="1" name=""/>
-        <p:cNvGrpSpPr/>
-        <p:nvPr/>
-      </p:nvGrpSpPr>
-      <p:grpSpPr>
-        <a:xfrm>
-          <a:off x="0" y="0"/>
-          <a:ext cx="0" cy="0"/>
-          <a:chOff x="0" y="0"/>
-          <a:chExt cx="0" cy="0"/>
-        </a:xfrm>
-      </p:grpSpPr>
-      <p:sp>
-        <p:nvSpPr>
-          <p:cNvPr id="5" name="제목 4"/>
-          <p:cNvSpPr>
-            <a:spLocks noGrp="1"/>
-          </p:cNvSpPr>
-          <p:nvPr>
-            <p:ph type="title"/>
-          </p:nvPr>
-        </p:nvSpPr>
-        <p:spPr>
-          <a:xfrm>
-            <a:off x="608016" y="551987"/>
-            <a:ext cx="10944225" cy="1140090"/>
-          </a:xfrm>
-        </p:spPr>
-        <p:txBody>
-          <a:bodyPr>
-            <a:normAutofit/>
-          </a:bodyPr>
-          <a:lstStyle/>
-          <a:p>
-            <a:pPr algn="l"/>
-            <a:r>
-              <a:rPr lang="en-US" altLang="ko-KR" sz="4400" dirty="0">
-                <a:solidFill>
-                  <a:schemeClr val="tx1">
-                    <a:lumMod val="75000"/>
-                    <a:lumOff val="25000"/>
-                  </a:schemeClr>
-                </a:solidFill>
-                <a:latin typeface="Noto Sans CJK KR Black" pitchFamily="34" charset="-127"/>
-                <a:ea typeface="Noto Sans CJK KR Black" pitchFamily="34" charset="-127"/>
-              </a:rPr>
-              <a:t>2. </a:t>
-            </a:r>
-            <a:r>
-              <a:rPr lang="ko-KR" altLang="en-US" sz="4400" dirty="0">
-                <a:solidFill>
-                  <a:schemeClr val="tx1">
-                    <a:lumMod val="75000"/>
-                    <a:lumOff val="25000"/>
-                  </a:schemeClr>
-                </a:solidFill>
-                <a:latin typeface="Noto Sans CJK KR Black" pitchFamily="34" charset="-127"/>
-                <a:ea typeface="Noto Sans CJK KR Black" pitchFamily="34" charset="-127"/>
-              </a:rPr>
-              <a:t>시계열 알고리즘</a:t>
-            </a:r>
-            <a:endParaRPr lang="ko-KR" altLang="en-US" sz="4400" dirty="0">
-              <a:solidFill>
-                <a:schemeClr val="tx1">
-                  <a:lumMod val="75000"/>
-                  <a:lumOff val="25000"/>
-                </a:schemeClr>
-              </a:solidFill>
-            </a:endParaRPr>
-          </a:p>
-        </p:txBody>
-      </p:sp>
-      <p:sp>
-        <p:nvSpPr>
-          <p:cNvPr id="3" name="슬라이드 번호 개체 틀 2"/>
-          <p:cNvSpPr>
-            <a:spLocks noGrp="1"/>
-          </p:cNvSpPr>
-          <p:nvPr>
-            <p:ph type="sldNum" sz="quarter" idx="12"/>
-          </p:nvPr>
-        </p:nvSpPr>
-        <p:spPr/>
-        <p:txBody>
-          <a:bodyPr/>
-          <a:lstStyle/>
-          <a:p>
-            <a:fld id="{6DDAE2C3-1A0B-474A-8CE8-AE55B8D9D4B1}" type="slidenum">
-              <a:rPr lang="ko-KR" altLang="en-US" smtClean="0"/>
-              <a:pPr/>
-              <a:t>11</a:t>
-            </a:fld>
-            <a:endParaRPr lang="ko-KR" altLang="en-US" dirty="0"/>
-          </a:p>
-        </p:txBody>
-      </p:sp>
-      <p:pic>
-        <p:nvPicPr>
-          <p:cNvPr id="2" name="그림 1">
-            <a:extLst>
-              <a:ext uri="{FF2B5EF4-FFF2-40B4-BE49-F238E27FC236}">
-                <a16:creationId xmlns:a16="http://schemas.microsoft.com/office/drawing/2014/main" id="{B57389A3-63EE-4929-B9B6-E663C7A546A2}"/>
-              </a:ext>
-            </a:extLst>
-          </p:cNvPr>
-          <p:cNvPicPr>
-            <a:picLocks noChangeAspect="1"/>
-          </p:cNvPicPr>
-          <p:nvPr/>
-        </p:nvPicPr>
-        <p:blipFill>
-          <a:blip r:embed="rId2"/>
-          <a:stretch>
-            <a:fillRect/>
-          </a:stretch>
-        </p:blipFill>
-        <p:spPr>
-          <a:xfrm>
-            <a:off x="2065337" y="1836093"/>
-            <a:ext cx="8029575" cy="4076700"/>
-          </a:xfrm>
-          <a:prstGeom prst="rect">
-            <a:avLst/>
-          </a:prstGeom>
-        </p:spPr>
-      </p:pic>
-    </p:spTree>
-    <p:extLst>
-      <p:ext uri="{BB962C8B-B14F-4D97-AF65-F5344CB8AC3E}">
-        <p14:creationId xmlns:p14="http://schemas.microsoft.com/office/powerpoint/2010/main" val="769741380"/>
-      </p:ext>
-    </p:extLst>
-  </p:cSld>
-  <p:clrMapOvr>
-    <a:masterClrMapping/>
-  </p:clrMapOvr>
-</p:sld>
-</file>
-
-<file path=ppt/slides/slide12.xml><?xml version="1.0" encoding="utf-8"?>
-<p:sld xmlns:a="http://schemas.openxmlformats.org/drawingml/2006/main" xmlns:r="http://schemas.openxmlformats.org/officeDocument/2006/relationships" xmlns:p="http://schemas.openxmlformats.org/presentationml/2006/main">
-  <p:cSld>
-    <p:spTree>
-      <p:nvGrpSpPr>
-        <p:cNvPr id="1" name=""/>
-        <p:cNvGrpSpPr/>
-        <p:nvPr/>
-      </p:nvGrpSpPr>
-      <p:grpSpPr>
-        <a:xfrm>
-          <a:off x="0" y="0"/>
-          <a:ext cx="0" cy="0"/>
-          <a:chOff x="0" y="0"/>
-          <a:chExt cx="0" cy="0"/>
-        </a:xfrm>
-      </p:grpSpPr>
-      <p:sp>
-        <p:nvSpPr>
-          <p:cNvPr id="5" name="제목 4"/>
-          <p:cNvSpPr>
-            <a:spLocks noGrp="1"/>
-          </p:cNvSpPr>
-          <p:nvPr>
-            <p:ph type="title"/>
-          </p:nvPr>
-        </p:nvSpPr>
-        <p:spPr>
-          <a:xfrm>
-            <a:off x="608016" y="551987"/>
-            <a:ext cx="10944225" cy="1140090"/>
-          </a:xfrm>
-        </p:spPr>
-        <p:txBody>
-          <a:bodyPr>
-            <a:normAutofit/>
-          </a:bodyPr>
-          <a:lstStyle/>
-          <a:p>
-            <a:pPr algn="l"/>
-            <a:r>
-              <a:rPr lang="en-US" altLang="ko-KR" sz="4400" dirty="0">
-                <a:solidFill>
-                  <a:schemeClr val="tx1">
-                    <a:lumMod val="75000"/>
-                    <a:lumOff val="25000"/>
-                  </a:schemeClr>
-                </a:solidFill>
-                <a:latin typeface="Noto Sans CJK KR Black" pitchFamily="34" charset="-127"/>
-                <a:ea typeface="Noto Sans CJK KR Black" pitchFamily="34" charset="-127"/>
-              </a:rPr>
-              <a:t>2. </a:t>
-            </a:r>
-            <a:r>
-              <a:rPr lang="ko-KR" altLang="en-US" sz="4400" dirty="0">
-                <a:solidFill>
-                  <a:schemeClr val="tx1">
-                    <a:lumMod val="75000"/>
-                    <a:lumOff val="25000"/>
-                  </a:schemeClr>
-                </a:solidFill>
-                <a:latin typeface="Noto Sans CJK KR Black" pitchFamily="34" charset="-127"/>
-                <a:ea typeface="Noto Sans CJK KR Black" pitchFamily="34" charset="-127"/>
-              </a:rPr>
-              <a:t>시계열 알고리즘</a:t>
-            </a:r>
-            <a:endParaRPr lang="ko-KR" altLang="en-US" sz="4400" dirty="0">
-              <a:solidFill>
-                <a:schemeClr val="tx1">
-                  <a:lumMod val="75000"/>
-                  <a:lumOff val="25000"/>
-                </a:schemeClr>
-              </a:solidFill>
-            </a:endParaRPr>
-          </a:p>
-        </p:txBody>
-      </p:sp>
-      <p:sp>
-        <p:nvSpPr>
-          <p:cNvPr id="3" name="슬라이드 번호 개체 틀 2"/>
-          <p:cNvSpPr>
-            <a:spLocks noGrp="1"/>
-          </p:cNvSpPr>
-          <p:nvPr>
-            <p:ph type="sldNum" sz="quarter" idx="12"/>
-          </p:nvPr>
-        </p:nvSpPr>
-        <p:spPr/>
-        <p:txBody>
-          <a:bodyPr/>
-          <a:lstStyle/>
-          <a:p>
-            <a:fld id="{6DDAE2C3-1A0B-474A-8CE8-AE55B8D9D4B1}" type="slidenum">
-              <a:rPr lang="ko-KR" altLang="en-US" smtClean="0"/>
-              <a:pPr/>
-              <a:t>12</a:t>
-            </a:fld>
-            <a:endParaRPr lang="ko-KR" altLang="en-US" dirty="0"/>
-          </a:p>
-        </p:txBody>
-      </p:sp>
-      <p:pic>
-        <p:nvPicPr>
-          <p:cNvPr id="2" name="그림 1">
-            <a:extLst>
-              <a:ext uri="{FF2B5EF4-FFF2-40B4-BE49-F238E27FC236}">
-                <a16:creationId xmlns:a16="http://schemas.microsoft.com/office/drawing/2014/main" id="{CA0803DC-6CE7-4A33-AAEC-56C3FCEF02B9}"/>
-              </a:ext>
-            </a:extLst>
-          </p:cNvPr>
-          <p:cNvPicPr>
-            <a:picLocks noChangeAspect="1"/>
-          </p:cNvPicPr>
-          <p:nvPr/>
-        </p:nvPicPr>
-        <p:blipFill>
-          <a:blip r:embed="rId2"/>
-          <a:stretch>
-            <a:fillRect/>
-          </a:stretch>
-        </p:blipFill>
-        <p:spPr>
-          <a:xfrm>
-            <a:off x="1951037" y="1665478"/>
-            <a:ext cx="8258175" cy="5076825"/>
-          </a:xfrm>
-          <a:prstGeom prst="rect">
-            <a:avLst/>
-          </a:prstGeom>
-        </p:spPr>
-      </p:pic>
-    </p:spTree>
-    <p:extLst>
-      <p:ext uri="{BB962C8B-B14F-4D97-AF65-F5344CB8AC3E}">
-        <p14:creationId xmlns:p14="http://schemas.microsoft.com/office/powerpoint/2010/main" val="2527531930"/>
-      </p:ext>
-    </p:extLst>
-  </p:cSld>
-  <p:clrMapOvr>
-    <a:masterClrMapping/>
-  </p:clrMapOvr>
-</p:sld>
-</file>
-
-<file path=ppt/slides/slide13.xml><?xml version="1.0" encoding="utf-8"?>
-<p:sld xmlns:a="http://schemas.openxmlformats.org/drawingml/2006/main" xmlns:r="http://schemas.openxmlformats.org/officeDocument/2006/relationships" xmlns:p="http://schemas.openxmlformats.org/presentationml/2006/main">
-  <p:cSld>
-    <p:spTree>
-      <p:nvGrpSpPr>
-        <p:cNvPr id="1" name=""/>
-        <p:cNvGrpSpPr/>
-        <p:nvPr/>
-      </p:nvGrpSpPr>
-      <p:grpSpPr>
-        <a:xfrm>
-          <a:off x="0" y="0"/>
-          <a:ext cx="0" cy="0"/>
-          <a:chOff x="0" y="0"/>
-          <a:chExt cx="0" cy="0"/>
-        </a:xfrm>
-      </p:grpSpPr>
-      <p:sp>
-        <p:nvSpPr>
-          <p:cNvPr id="5" name="제목 4"/>
-          <p:cNvSpPr>
-            <a:spLocks noGrp="1"/>
-          </p:cNvSpPr>
-          <p:nvPr>
-            <p:ph type="title"/>
-          </p:nvPr>
-        </p:nvSpPr>
-        <p:spPr>
-          <a:xfrm>
-            <a:off x="608016" y="551987"/>
-            <a:ext cx="10944225" cy="1140090"/>
-          </a:xfrm>
-        </p:spPr>
-        <p:txBody>
-          <a:bodyPr>
-            <a:normAutofit/>
-          </a:bodyPr>
-          <a:lstStyle/>
-          <a:p>
-            <a:pPr algn="l"/>
-            <a:r>
-              <a:rPr lang="en-US" altLang="ko-KR" sz="4400" dirty="0">
-                <a:solidFill>
-                  <a:schemeClr val="tx1">
-                    <a:lumMod val="75000"/>
-                    <a:lumOff val="25000"/>
-                  </a:schemeClr>
-                </a:solidFill>
-                <a:latin typeface="Noto Sans CJK KR Black" pitchFamily="34" charset="-127"/>
-                <a:ea typeface="Noto Sans CJK KR Black" pitchFamily="34" charset="-127"/>
-              </a:rPr>
-              <a:t>2. </a:t>
-            </a:r>
-            <a:r>
-              <a:rPr lang="ko-KR" altLang="en-US" sz="4400" dirty="0">
-                <a:solidFill>
-                  <a:schemeClr val="tx1">
-                    <a:lumMod val="75000"/>
-                    <a:lumOff val="25000"/>
-                  </a:schemeClr>
-                </a:solidFill>
-                <a:latin typeface="Noto Sans CJK KR Black" pitchFamily="34" charset="-127"/>
-                <a:ea typeface="Noto Sans CJK KR Black" pitchFamily="34" charset="-127"/>
-              </a:rPr>
-              <a:t>시계열 알고리즘</a:t>
-            </a:r>
-            <a:endParaRPr lang="ko-KR" altLang="en-US" sz="4400" dirty="0">
-              <a:solidFill>
-                <a:schemeClr val="tx1">
-                  <a:lumMod val="75000"/>
-                  <a:lumOff val="25000"/>
-                </a:schemeClr>
-              </a:solidFill>
-            </a:endParaRPr>
-          </a:p>
-        </p:txBody>
-      </p:sp>
-      <p:sp>
-        <p:nvSpPr>
-          <p:cNvPr id="3" name="슬라이드 번호 개체 틀 2"/>
-          <p:cNvSpPr>
-            <a:spLocks noGrp="1"/>
-          </p:cNvSpPr>
-          <p:nvPr>
-            <p:ph type="sldNum" sz="quarter" idx="12"/>
-          </p:nvPr>
-        </p:nvSpPr>
-        <p:spPr/>
-        <p:txBody>
-          <a:bodyPr/>
-          <a:lstStyle/>
-          <a:p>
-            <a:fld id="{6DDAE2C3-1A0B-474A-8CE8-AE55B8D9D4B1}" type="slidenum">
-              <a:rPr lang="ko-KR" altLang="en-US" smtClean="0"/>
-              <a:pPr/>
-              <a:t>13</a:t>
-            </a:fld>
-            <a:endParaRPr lang="ko-KR" altLang="en-US" dirty="0"/>
-          </a:p>
-        </p:txBody>
-      </p:sp>
-      <p:pic>
-        <p:nvPicPr>
-          <p:cNvPr id="2" name="그림 1">
-            <a:extLst>
-              <a:ext uri="{FF2B5EF4-FFF2-40B4-BE49-F238E27FC236}">
-                <a16:creationId xmlns:a16="http://schemas.microsoft.com/office/drawing/2014/main" id="{711F9C50-C913-4363-8940-F9050F5571B4}"/>
-              </a:ext>
-            </a:extLst>
-          </p:cNvPr>
-          <p:cNvPicPr>
-            <a:picLocks noChangeAspect="1"/>
-          </p:cNvPicPr>
-          <p:nvPr/>
-        </p:nvPicPr>
-        <p:blipFill>
-          <a:blip r:embed="rId2"/>
-          <a:stretch>
-            <a:fillRect/>
-          </a:stretch>
-        </p:blipFill>
-        <p:spPr>
-          <a:xfrm>
-            <a:off x="2189162" y="2268141"/>
-            <a:ext cx="7781925" cy="3286125"/>
-          </a:xfrm>
-          <a:prstGeom prst="rect">
-            <a:avLst/>
-          </a:prstGeom>
-        </p:spPr>
-      </p:pic>
-    </p:spTree>
-    <p:extLst>
-      <p:ext uri="{BB962C8B-B14F-4D97-AF65-F5344CB8AC3E}">
-        <p14:creationId xmlns:p14="http://schemas.microsoft.com/office/powerpoint/2010/main" val="2143910519"/>
-      </p:ext>
-    </p:extLst>
-  </p:cSld>
-  <p:clrMapOvr>
-    <a:masterClrMapping/>
-  </p:clrMapOvr>
-</p:sld>
-</file>
-
-<file path=ppt/slides/slide14.xml><?xml version="1.0" encoding="utf-8"?>
-<p:sld xmlns:a="http://schemas.openxmlformats.org/drawingml/2006/main" xmlns:r="http://schemas.openxmlformats.org/officeDocument/2006/relationships" xmlns:p="http://schemas.openxmlformats.org/presentationml/2006/main">
-  <p:cSld>
-    <p:spTree>
-      <p:nvGrpSpPr>
-        <p:cNvPr id="1" name=""/>
-        <p:cNvGrpSpPr/>
-        <p:nvPr/>
-      </p:nvGrpSpPr>
-      <p:grpSpPr>
-        <a:xfrm>
-          <a:off x="0" y="0"/>
-          <a:ext cx="0" cy="0"/>
-          <a:chOff x="0" y="0"/>
-          <a:chExt cx="0" cy="0"/>
-        </a:xfrm>
-      </p:grpSpPr>
-      <p:sp>
-        <p:nvSpPr>
-          <p:cNvPr id="5" name="제목 4"/>
-          <p:cNvSpPr>
-            <a:spLocks noGrp="1"/>
-          </p:cNvSpPr>
-          <p:nvPr>
-            <p:ph type="title"/>
-          </p:nvPr>
-        </p:nvSpPr>
-        <p:spPr>
-          <a:xfrm>
-            <a:off x="608016" y="551987"/>
-            <a:ext cx="10944225" cy="1140090"/>
-          </a:xfrm>
-        </p:spPr>
-        <p:txBody>
-          <a:bodyPr>
-            <a:normAutofit fontScale="90000"/>
-          </a:bodyPr>
-          <a:lstStyle/>
-          <a:p>
-            <a:pPr algn="l"/>
-            <a:r>
-              <a:rPr lang="en-US" altLang="ko-KR" sz="4400" dirty="0">
-                <a:solidFill>
-                  <a:schemeClr val="tx1">
-                    <a:lumMod val="75000"/>
-                    <a:lumOff val="25000"/>
-                  </a:schemeClr>
-                </a:solidFill>
-                <a:latin typeface="Noto Sans CJK KR Black" pitchFamily="34" charset="-127"/>
-                <a:ea typeface="Noto Sans CJK KR Black" pitchFamily="34" charset="-127"/>
-              </a:rPr>
-              <a:t>2. </a:t>
-            </a:r>
-            <a:r>
-              <a:rPr lang="ko-KR" altLang="en-US" sz="4400" dirty="0">
-                <a:solidFill>
-                  <a:schemeClr val="tx1">
-                    <a:lumMod val="75000"/>
-                    <a:lumOff val="25000"/>
-                  </a:schemeClr>
-                </a:solidFill>
-                <a:latin typeface="Noto Sans CJK KR Black" pitchFamily="34" charset="-127"/>
-                <a:ea typeface="Noto Sans CJK KR Black" pitchFamily="34" charset="-127"/>
-              </a:rPr>
-              <a:t>시계열 </a:t>
-            </a:r>
-            <a:br>
-              <a:rPr lang="en-US" altLang="ko-KR" sz="4400" dirty="0">
-                <a:solidFill>
-                  <a:schemeClr val="tx1">
-                    <a:lumMod val="75000"/>
-                    <a:lumOff val="25000"/>
-                  </a:schemeClr>
-                </a:solidFill>
-                <a:latin typeface="Noto Sans CJK KR Black" pitchFamily="34" charset="-127"/>
-                <a:ea typeface="Noto Sans CJK KR Black" pitchFamily="34" charset="-127"/>
-              </a:rPr>
-            </a:br>
-            <a:r>
-              <a:rPr lang="ko-KR" altLang="en-US" sz="4400" dirty="0">
-                <a:solidFill>
-                  <a:schemeClr val="tx1">
-                    <a:lumMod val="75000"/>
-                    <a:lumOff val="25000"/>
-                  </a:schemeClr>
-                </a:solidFill>
-                <a:latin typeface="Noto Sans CJK KR Black" pitchFamily="34" charset="-127"/>
-                <a:ea typeface="Noto Sans CJK KR Black" pitchFamily="34" charset="-127"/>
-              </a:rPr>
-              <a:t>알고리즘</a:t>
-            </a:r>
-            <a:endParaRPr lang="ko-KR" altLang="en-US" sz="4400" dirty="0">
-              <a:solidFill>
-                <a:schemeClr val="tx1">
-                  <a:lumMod val="75000"/>
-                  <a:lumOff val="25000"/>
-                </a:schemeClr>
-              </a:solidFill>
-            </a:endParaRPr>
-          </a:p>
-        </p:txBody>
-      </p:sp>
-      <p:sp>
-        <p:nvSpPr>
-          <p:cNvPr id="3" name="슬라이드 번호 개체 틀 2"/>
-          <p:cNvSpPr>
-            <a:spLocks noGrp="1"/>
-          </p:cNvSpPr>
-          <p:nvPr>
-            <p:ph type="sldNum" sz="quarter" idx="12"/>
-          </p:nvPr>
-        </p:nvSpPr>
-        <p:spPr/>
-        <p:txBody>
-          <a:bodyPr/>
-          <a:lstStyle/>
-          <a:p>
-            <a:fld id="{6DDAE2C3-1A0B-474A-8CE8-AE55B8D9D4B1}" type="slidenum">
-              <a:rPr lang="ko-KR" altLang="en-US" smtClean="0"/>
-              <a:pPr/>
-              <a:t>14</a:t>
-            </a:fld>
-            <a:endParaRPr lang="ko-KR" altLang="en-US" dirty="0"/>
-          </a:p>
-        </p:txBody>
-      </p:sp>
-      <p:pic>
-        <p:nvPicPr>
-          <p:cNvPr id="2" name="그림 1">
-            <a:extLst>
-              <a:ext uri="{FF2B5EF4-FFF2-40B4-BE49-F238E27FC236}">
-                <a16:creationId xmlns:a16="http://schemas.microsoft.com/office/drawing/2014/main" id="{3C74E883-AC0C-4CE0-A70E-14D8DB836AFA}"/>
-              </a:ext>
-            </a:extLst>
-          </p:cNvPr>
-          <p:cNvPicPr>
-            <a:picLocks noChangeAspect="1"/>
-          </p:cNvPicPr>
-          <p:nvPr/>
-        </p:nvPicPr>
-        <p:blipFill>
-          <a:blip r:embed="rId2"/>
-          <a:stretch>
-            <a:fillRect/>
-          </a:stretch>
-        </p:blipFill>
-        <p:spPr>
-          <a:xfrm>
-            <a:off x="3991893" y="0"/>
-            <a:ext cx="7025200" cy="6840538"/>
-          </a:xfrm>
-          <a:prstGeom prst="rect">
-            <a:avLst/>
-          </a:prstGeom>
-        </p:spPr>
-      </p:pic>
-    </p:spTree>
-    <p:extLst>
-      <p:ext uri="{BB962C8B-B14F-4D97-AF65-F5344CB8AC3E}">
-        <p14:creationId xmlns:p14="http://schemas.microsoft.com/office/powerpoint/2010/main" val="195520748"/>
-      </p:ext>
-    </p:extLst>
-  </p:cSld>
-  <p:clrMapOvr>
-    <a:masterClrMapping/>
-  </p:clrMapOvr>
-</p:sld>
-</file>
-
-<file path=ppt/slides/slide15.xml><?xml version="1.0" encoding="utf-8"?>
-<p:sld xmlns:a="http://schemas.openxmlformats.org/drawingml/2006/main" xmlns:r="http://schemas.openxmlformats.org/officeDocument/2006/relationships" xmlns:p="http://schemas.openxmlformats.org/presentationml/2006/main">
-  <p:cSld>
-    <p:spTree>
-      <p:nvGrpSpPr>
-        <p:cNvPr id="1" name=""/>
-        <p:cNvGrpSpPr/>
-        <p:nvPr/>
-      </p:nvGrpSpPr>
-      <p:grpSpPr>
-        <a:xfrm>
-          <a:off x="0" y="0"/>
-          <a:ext cx="0" cy="0"/>
-          <a:chOff x="0" y="0"/>
-          <a:chExt cx="0" cy="0"/>
-        </a:xfrm>
-      </p:grpSpPr>
-      <p:sp>
-        <p:nvSpPr>
-          <p:cNvPr id="5" name="제목 4"/>
-          <p:cNvSpPr>
-            <a:spLocks noGrp="1"/>
-          </p:cNvSpPr>
-          <p:nvPr>
-            <p:ph type="title"/>
-          </p:nvPr>
-        </p:nvSpPr>
-        <p:spPr>
-          <a:xfrm>
-            <a:off x="608016" y="551987"/>
-            <a:ext cx="10944225" cy="1140090"/>
-          </a:xfrm>
-        </p:spPr>
-        <p:txBody>
-          <a:bodyPr>
-            <a:normAutofit/>
-          </a:bodyPr>
-          <a:lstStyle/>
-          <a:p>
-            <a:pPr algn="l"/>
-            <a:r>
-              <a:rPr lang="en-US" altLang="ko-KR" sz="4400" dirty="0">
-                <a:solidFill>
-                  <a:schemeClr val="tx1">
-                    <a:lumMod val="75000"/>
-                    <a:lumOff val="25000"/>
-                  </a:schemeClr>
-                </a:solidFill>
-                <a:latin typeface="Noto Sans CJK KR Black" pitchFamily="34" charset="-127"/>
-                <a:ea typeface="Noto Sans CJK KR Black" pitchFamily="34" charset="-127"/>
-              </a:rPr>
-              <a:t>2. </a:t>
-            </a:r>
-            <a:r>
-              <a:rPr lang="ko-KR" altLang="en-US" sz="4400" dirty="0">
-                <a:solidFill>
-                  <a:schemeClr val="tx1">
-                    <a:lumMod val="75000"/>
-                    <a:lumOff val="25000"/>
-                  </a:schemeClr>
-                </a:solidFill>
-                <a:latin typeface="Noto Sans CJK KR Black" pitchFamily="34" charset="-127"/>
-                <a:ea typeface="Noto Sans CJK KR Black" pitchFamily="34" charset="-127"/>
-              </a:rPr>
-              <a:t>시계열 알고리즘</a:t>
-            </a:r>
-            <a:endParaRPr lang="ko-KR" altLang="en-US" sz="4400" dirty="0">
-              <a:solidFill>
-                <a:schemeClr val="tx1">
-                  <a:lumMod val="75000"/>
-                  <a:lumOff val="25000"/>
-                </a:schemeClr>
-              </a:solidFill>
-            </a:endParaRPr>
-          </a:p>
-        </p:txBody>
-      </p:sp>
-      <p:sp>
-        <p:nvSpPr>
-          <p:cNvPr id="3" name="슬라이드 번호 개체 틀 2"/>
-          <p:cNvSpPr>
-            <a:spLocks noGrp="1"/>
-          </p:cNvSpPr>
-          <p:nvPr>
-            <p:ph type="sldNum" sz="quarter" idx="12"/>
-          </p:nvPr>
-        </p:nvSpPr>
-        <p:spPr/>
-        <p:txBody>
-          <a:bodyPr/>
-          <a:lstStyle/>
-          <a:p>
-            <a:fld id="{6DDAE2C3-1A0B-474A-8CE8-AE55B8D9D4B1}" type="slidenum">
-              <a:rPr lang="ko-KR" altLang="en-US" smtClean="0"/>
-              <a:pPr/>
-              <a:t>15</a:t>
-            </a:fld>
-            <a:endParaRPr lang="ko-KR" altLang="en-US" dirty="0"/>
-          </a:p>
-        </p:txBody>
-      </p:sp>
-      <p:pic>
-        <p:nvPicPr>
-          <p:cNvPr id="2" name="그림 1">
-            <a:extLst>
-              <a:ext uri="{FF2B5EF4-FFF2-40B4-BE49-F238E27FC236}">
-                <a16:creationId xmlns:a16="http://schemas.microsoft.com/office/drawing/2014/main" id="{70C4D0BA-9575-4832-86FE-F52566FE7006}"/>
-              </a:ext>
-            </a:extLst>
-          </p:cNvPr>
-          <p:cNvPicPr>
-            <a:picLocks noChangeAspect="1"/>
-          </p:cNvPicPr>
-          <p:nvPr/>
-        </p:nvPicPr>
-        <p:blipFill>
-          <a:blip r:embed="rId2"/>
-          <a:stretch>
-            <a:fillRect/>
-          </a:stretch>
-        </p:blipFill>
-        <p:spPr>
-          <a:xfrm>
-            <a:off x="2917825" y="2248694"/>
-            <a:ext cx="6324600" cy="2343150"/>
-          </a:xfrm>
-          <a:prstGeom prst="rect">
-            <a:avLst/>
-          </a:prstGeom>
-        </p:spPr>
-      </p:pic>
-    </p:spTree>
-    <p:extLst>
-      <p:ext uri="{BB962C8B-B14F-4D97-AF65-F5344CB8AC3E}">
-        <p14:creationId xmlns:p14="http://schemas.microsoft.com/office/powerpoint/2010/main" val="690734868"/>
-      </p:ext>
-    </p:extLst>
-  </p:cSld>
-  <p:clrMapOvr>
-    <a:masterClrMapping/>
-  </p:clrMapOvr>
-</p:sld>
-</file>
-
-<file path=ppt/slides/slide16.xml><?xml version="1.0" encoding="utf-8"?>
-<p:sld xmlns:a="http://schemas.openxmlformats.org/drawingml/2006/main" xmlns:r="http://schemas.openxmlformats.org/officeDocument/2006/relationships" xmlns:p="http://schemas.openxmlformats.org/presentationml/2006/main">
-  <p:cSld>
-    <p:spTree>
-      <p:nvGrpSpPr>
-        <p:cNvPr id="1" name=""/>
-        <p:cNvGrpSpPr/>
-        <p:nvPr/>
-      </p:nvGrpSpPr>
-      <p:grpSpPr>
-        <a:xfrm>
-          <a:off x="0" y="0"/>
-          <a:ext cx="0" cy="0"/>
-          <a:chOff x="0" y="0"/>
-          <a:chExt cx="0" cy="0"/>
-        </a:xfrm>
-      </p:grpSpPr>
-      <p:sp>
-        <p:nvSpPr>
-          <p:cNvPr id="5" name="제목 4"/>
-          <p:cNvSpPr>
-            <a:spLocks noGrp="1"/>
-          </p:cNvSpPr>
-          <p:nvPr>
-            <p:ph type="title"/>
-          </p:nvPr>
-        </p:nvSpPr>
-        <p:spPr>
-          <a:xfrm>
-            <a:off x="391493" y="551987"/>
-            <a:ext cx="10944225" cy="1140090"/>
-          </a:xfrm>
-        </p:spPr>
-        <p:txBody>
-          <a:bodyPr>
-            <a:normAutofit fontScale="90000"/>
-          </a:bodyPr>
-          <a:lstStyle/>
-          <a:p>
-            <a:pPr algn="l"/>
-            <a:r>
-              <a:rPr lang="en-US" altLang="ko-KR" sz="4400" dirty="0">
-                <a:solidFill>
-                  <a:schemeClr val="tx1">
-                    <a:lumMod val="75000"/>
-                    <a:lumOff val="25000"/>
-                  </a:schemeClr>
-                </a:solidFill>
-                <a:latin typeface="Noto Sans CJK KR Black" pitchFamily="34" charset="-127"/>
-                <a:ea typeface="Noto Sans CJK KR Black" pitchFamily="34" charset="-127"/>
-              </a:rPr>
-              <a:t>2. </a:t>
-            </a:r>
-            <a:r>
-              <a:rPr lang="ko-KR" altLang="en-US" sz="4400" dirty="0">
-                <a:solidFill>
-                  <a:schemeClr val="tx1">
-                    <a:lumMod val="75000"/>
-                    <a:lumOff val="25000"/>
-                  </a:schemeClr>
-                </a:solidFill>
-                <a:latin typeface="Noto Sans CJK KR Black" pitchFamily="34" charset="-127"/>
-                <a:ea typeface="Noto Sans CJK KR Black" pitchFamily="34" charset="-127"/>
-              </a:rPr>
-              <a:t>시계열</a:t>
-            </a:r>
-            <a:br>
-              <a:rPr lang="en-US" altLang="ko-KR" sz="4400" dirty="0">
-                <a:solidFill>
-                  <a:schemeClr val="tx1">
-                    <a:lumMod val="75000"/>
-                    <a:lumOff val="25000"/>
-                  </a:schemeClr>
-                </a:solidFill>
-                <a:latin typeface="Noto Sans CJK KR Black" pitchFamily="34" charset="-127"/>
-                <a:ea typeface="Noto Sans CJK KR Black" pitchFamily="34" charset="-127"/>
-              </a:rPr>
-            </a:br>
-            <a:r>
-              <a:rPr lang="ko-KR" altLang="en-US" sz="4400" dirty="0">
-                <a:solidFill>
-                  <a:schemeClr val="tx1">
-                    <a:lumMod val="75000"/>
-                    <a:lumOff val="25000"/>
-                  </a:schemeClr>
-                </a:solidFill>
-                <a:latin typeface="Noto Sans CJK KR Black" pitchFamily="34" charset="-127"/>
-                <a:ea typeface="Noto Sans CJK KR Black" pitchFamily="34" charset="-127"/>
-              </a:rPr>
-              <a:t> 알고리즘</a:t>
-            </a:r>
-            <a:endParaRPr lang="ko-KR" altLang="en-US" sz="4400" dirty="0">
-              <a:solidFill>
-                <a:schemeClr val="tx1">
-                  <a:lumMod val="75000"/>
-                  <a:lumOff val="25000"/>
-                </a:schemeClr>
-              </a:solidFill>
-            </a:endParaRPr>
-          </a:p>
-        </p:txBody>
-      </p:sp>
-      <p:sp>
-        <p:nvSpPr>
-          <p:cNvPr id="3" name="슬라이드 번호 개체 틀 2"/>
-          <p:cNvSpPr>
-            <a:spLocks noGrp="1"/>
-          </p:cNvSpPr>
-          <p:nvPr>
-            <p:ph type="sldNum" sz="quarter" idx="12"/>
-          </p:nvPr>
-        </p:nvSpPr>
-        <p:spPr/>
-        <p:txBody>
-          <a:bodyPr/>
-          <a:lstStyle/>
-          <a:p>
-            <a:fld id="{6DDAE2C3-1A0B-474A-8CE8-AE55B8D9D4B1}" type="slidenum">
-              <a:rPr lang="ko-KR" altLang="en-US" smtClean="0"/>
-              <a:pPr/>
-              <a:t>16</a:t>
-            </a:fld>
-            <a:endParaRPr lang="ko-KR" altLang="en-US" dirty="0"/>
-          </a:p>
-        </p:txBody>
-      </p:sp>
-      <p:pic>
-        <p:nvPicPr>
-          <p:cNvPr id="2" name="그림 1">
-            <a:extLst>
-              <a:ext uri="{FF2B5EF4-FFF2-40B4-BE49-F238E27FC236}">
-                <a16:creationId xmlns:a16="http://schemas.microsoft.com/office/drawing/2014/main" id="{6AC90C05-8E8D-4E81-93ED-1782EA0A7B9E}"/>
-              </a:ext>
-            </a:extLst>
-          </p:cNvPr>
-          <p:cNvPicPr>
-            <a:picLocks noChangeAspect="1"/>
-          </p:cNvPicPr>
-          <p:nvPr/>
-        </p:nvPicPr>
-        <p:blipFill>
-          <a:blip r:embed="rId2"/>
-          <a:stretch>
-            <a:fillRect/>
-          </a:stretch>
-        </p:blipFill>
-        <p:spPr>
-          <a:xfrm>
-            <a:off x="2624368" y="573551"/>
-            <a:ext cx="9505950" cy="5715000"/>
-          </a:xfrm>
-          <a:prstGeom prst="rect">
-            <a:avLst/>
-          </a:prstGeom>
-        </p:spPr>
-      </p:pic>
-      <p:pic>
-        <p:nvPicPr>
-          <p:cNvPr id="4" name="그림 3">
-            <a:extLst>
-              <a:ext uri="{FF2B5EF4-FFF2-40B4-BE49-F238E27FC236}">
-                <a16:creationId xmlns:a16="http://schemas.microsoft.com/office/drawing/2014/main" id="{84D8CF9E-2CD9-45F8-8BDA-81D0DD0E136F}"/>
-              </a:ext>
-            </a:extLst>
-          </p:cNvPr>
-          <p:cNvPicPr>
-            <a:picLocks noChangeAspect="1"/>
-          </p:cNvPicPr>
-          <p:nvPr/>
-        </p:nvPicPr>
-        <p:blipFill>
-          <a:blip r:embed="rId3"/>
-          <a:stretch>
-            <a:fillRect/>
-          </a:stretch>
-        </p:blipFill>
-        <p:spPr>
-          <a:xfrm>
-            <a:off x="895549" y="5248648"/>
-            <a:ext cx="4476750" cy="1123950"/>
-          </a:xfrm>
-          <a:prstGeom prst="rect">
-            <a:avLst/>
-          </a:prstGeom>
-        </p:spPr>
-      </p:pic>
-    </p:spTree>
-    <p:extLst>
-      <p:ext uri="{BB962C8B-B14F-4D97-AF65-F5344CB8AC3E}">
-        <p14:creationId xmlns:p14="http://schemas.microsoft.com/office/powerpoint/2010/main" val="180013354"/>
-      </p:ext>
-    </p:extLst>
-  </p:cSld>
-  <p:clrMapOvr>
-    <a:masterClrMapping/>
-  </p:clrMapOvr>
-</p:sld>
-</file>
-
-<file path=ppt/slides/slide17.xml><?xml version="1.0" encoding="utf-8"?>
-<p:sld xmlns:a="http://schemas.openxmlformats.org/drawingml/2006/main" xmlns:r="http://schemas.openxmlformats.org/officeDocument/2006/relationships" xmlns:p="http://schemas.openxmlformats.org/presentationml/2006/main">
-  <p:cSld>
-    <p:spTree>
-      <p:nvGrpSpPr>
-        <p:cNvPr id="1" name=""/>
-        <p:cNvGrpSpPr/>
-        <p:nvPr/>
-      </p:nvGrpSpPr>
-      <p:grpSpPr>
-        <a:xfrm>
-          <a:off x="0" y="0"/>
-          <a:ext cx="0" cy="0"/>
-          <a:chOff x="0" y="0"/>
-          <a:chExt cx="0" cy="0"/>
-        </a:xfrm>
-      </p:grpSpPr>
-      <p:sp>
-        <p:nvSpPr>
-          <p:cNvPr id="5" name="제목 4"/>
-          <p:cNvSpPr>
-            <a:spLocks noGrp="1"/>
-          </p:cNvSpPr>
-          <p:nvPr>
-            <p:ph type="title"/>
-          </p:nvPr>
-        </p:nvSpPr>
-        <p:spPr>
-          <a:xfrm>
-            <a:off x="608016" y="551987"/>
-            <a:ext cx="10944225" cy="1140090"/>
-          </a:xfrm>
-        </p:spPr>
-        <p:txBody>
-          <a:bodyPr>
-            <a:normAutofit/>
-          </a:bodyPr>
-          <a:lstStyle/>
-          <a:p>
-            <a:pPr algn="l"/>
-            <a:r>
-              <a:rPr lang="en-US" altLang="ko-KR" sz="4400" dirty="0">
-                <a:solidFill>
-                  <a:schemeClr val="tx1">
-                    <a:lumMod val="75000"/>
-                    <a:lumOff val="25000"/>
-                  </a:schemeClr>
-                </a:solidFill>
-                <a:latin typeface="Noto Sans CJK KR Black" pitchFamily="34" charset="-127"/>
-                <a:ea typeface="Noto Sans CJK KR Black" pitchFamily="34" charset="-127"/>
-              </a:rPr>
-              <a:t>2. </a:t>
-            </a:r>
-            <a:r>
-              <a:rPr lang="ko-KR" altLang="en-US" sz="4400" dirty="0">
-                <a:solidFill>
-                  <a:schemeClr val="tx1">
-                    <a:lumMod val="75000"/>
-                    <a:lumOff val="25000"/>
-                  </a:schemeClr>
-                </a:solidFill>
-                <a:latin typeface="Noto Sans CJK KR Black" pitchFamily="34" charset="-127"/>
-                <a:ea typeface="Noto Sans CJK KR Black" pitchFamily="34" charset="-127"/>
-              </a:rPr>
-              <a:t>시계열 알고리즘</a:t>
-            </a:r>
-            <a:endParaRPr lang="ko-KR" altLang="en-US" sz="4400" dirty="0">
-              <a:solidFill>
-                <a:schemeClr val="tx1">
-                  <a:lumMod val="75000"/>
-                  <a:lumOff val="25000"/>
-                </a:schemeClr>
-              </a:solidFill>
-            </a:endParaRPr>
-          </a:p>
-        </p:txBody>
-      </p:sp>
-      <p:sp>
-        <p:nvSpPr>
-          <p:cNvPr id="3" name="슬라이드 번호 개체 틀 2"/>
-          <p:cNvSpPr>
-            <a:spLocks noGrp="1"/>
-          </p:cNvSpPr>
-          <p:nvPr>
-            <p:ph type="sldNum" sz="quarter" idx="12"/>
-          </p:nvPr>
-        </p:nvSpPr>
-        <p:spPr/>
-        <p:txBody>
-          <a:bodyPr/>
-          <a:lstStyle/>
-          <a:p>
-            <a:fld id="{6DDAE2C3-1A0B-474A-8CE8-AE55B8D9D4B1}" type="slidenum">
-              <a:rPr lang="ko-KR" altLang="en-US" smtClean="0"/>
-              <a:pPr/>
-              <a:t>17</a:t>
-            </a:fld>
-            <a:endParaRPr lang="ko-KR" altLang="en-US" dirty="0"/>
-          </a:p>
-        </p:txBody>
-      </p:sp>
-      <p:pic>
-        <p:nvPicPr>
-          <p:cNvPr id="2" name="그림 1">
-            <a:extLst>
-              <a:ext uri="{FF2B5EF4-FFF2-40B4-BE49-F238E27FC236}">
-                <a16:creationId xmlns:a16="http://schemas.microsoft.com/office/drawing/2014/main" id="{6D5432B1-570B-4AB5-A322-8634BE7A3E9F}"/>
-              </a:ext>
-            </a:extLst>
-          </p:cNvPr>
-          <p:cNvPicPr>
-            <a:picLocks noChangeAspect="1"/>
-          </p:cNvPicPr>
-          <p:nvPr/>
-        </p:nvPicPr>
-        <p:blipFill>
-          <a:blip r:embed="rId2"/>
-          <a:stretch>
-            <a:fillRect/>
-          </a:stretch>
-        </p:blipFill>
-        <p:spPr>
-          <a:xfrm>
-            <a:off x="2617787" y="2748756"/>
-            <a:ext cx="6924675" cy="1343025"/>
-          </a:xfrm>
-          <a:prstGeom prst="rect">
-            <a:avLst/>
-          </a:prstGeom>
-        </p:spPr>
-      </p:pic>
-    </p:spTree>
-    <p:extLst>
-      <p:ext uri="{BB962C8B-B14F-4D97-AF65-F5344CB8AC3E}">
-        <p14:creationId xmlns:p14="http://schemas.microsoft.com/office/powerpoint/2010/main" val="1294245054"/>
-      </p:ext>
-    </p:extLst>
-  </p:cSld>
-  <p:clrMapOvr>
-    <a:masterClrMapping/>
-  </p:clrMapOvr>
-</p:sld>
-</file>
-
-<file path=ppt/slides/slide18.xml><?xml version="1.0" encoding="utf-8"?>
-<p:sld xmlns:a="http://schemas.openxmlformats.org/drawingml/2006/main" xmlns:r="http://schemas.openxmlformats.org/officeDocument/2006/relationships" xmlns:p="http://schemas.openxmlformats.org/presentationml/2006/main">
-  <p:cSld>
-    <p:spTree>
-      <p:nvGrpSpPr>
-        <p:cNvPr id="1" name=""/>
-        <p:cNvGrpSpPr/>
-        <p:nvPr/>
-      </p:nvGrpSpPr>
-      <p:grpSpPr>
-        <a:xfrm>
-          <a:off x="0" y="0"/>
-          <a:ext cx="0" cy="0"/>
-          <a:chOff x="0" y="0"/>
-          <a:chExt cx="0" cy="0"/>
-        </a:xfrm>
-      </p:grpSpPr>
-      <p:sp>
-        <p:nvSpPr>
-          <p:cNvPr id="5" name="제목 4"/>
-          <p:cNvSpPr>
-            <a:spLocks noGrp="1"/>
-          </p:cNvSpPr>
-          <p:nvPr>
-            <p:ph type="title"/>
-          </p:nvPr>
-        </p:nvSpPr>
-        <p:spPr>
-          <a:xfrm>
-            <a:off x="608016" y="551987"/>
-            <a:ext cx="10944225" cy="1140090"/>
-          </a:xfrm>
-        </p:spPr>
-        <p:txBody>
-          <a:bodyPr>
-            <a:normAutofit fontScale="90000"/>
-          </a:bodyPr>
-          <a:lstStyle/>
-          <a:p>
-            <a:pPr algn="l"/>
-            <a:r>
-              <a:rPr lang="en-US" altLang="ko-KR" sz="4400" dirty="0">
-                <a:solidFill>
-                  <a:schemeClr val="tx1">
-                    <a:lumMod val="75000"/>
-                    <a:lumOff val="25000"/>
-                  </a:schemeClr>
-                </a:solidFill>
-                <a:latin typeface="Noto Sans CJK KR Black" pitchFamily="34" charset="-127"/>
-                <a:ea typeface="Noto Sans CJK KR Black" pitchFamily="34" charset="-127"/>
-              </a:rPr>
-              <a:t>2. </a:t>
-            </a:r>
-            <a:r>
-              <a:rPr lang="ko-KR" altLang="en-US" sz="4400" dirty="0">
-                <a:solidFill>
-                  <a:schemeClr val="tx1">
-                    <a:lumMod val="75000"/>
-                    <a:lumOff val="25000"/>
-                  </a:schemeClr>
-                </a:solidFill>
-                <a:latin typeface="Noto Sans CJK KR Black" pitchFamily="34" charset="-127"/>
-                <a:ea typeface="Noto Sans CJK KR Black" pitchFamily="34" charset="-127"/>
-              </a:rPr>
-              <a:t>시계열 </a:t>
-            </a:r>
-            <a:br>
-              <a:rPr lang="en-US" altLang="ko-KR" sz="4400" dirty="0">
-                <a:solidFill>
-                  <a:schemeClr val="tx1">
-                    <a:lumMod val="75000"/>
-                    <a:lumOff val="25000"/>
-                  </a:schemeClr>
-                </a:solidFill>
-                <a:latin typeface="Noto Sans CJK KR Black" pitchFamily="34" charset="-127"/>
-                <a:ea typeface="Noto Sans CJK KR Black" pitchFamily="34" charset="-127"/>
-              </a:rPr>
-            </a:br>
-            <a:r>
-              <a:rPr lang="ko-KR" altLang="en-US" sz="4400" dirty="0">
-                <a:solidFill>
-                  <a:schemeClr val="tx1">
-                    <a:lumMod val="75000"/>
-                    <a:lumOff val="25000"/>
-                  </a:schemeClr>
-                </a:solidFill>
-                <a:latin typeface="Noto Sans CJK KR Black" pitchFamily="34" charset="-127"/>
-                <a:ea typeface="Noto Sans CJK KR Black" pitchFamily="34" charset="-127"/>
-              </a:rPr>
-              <a:t>알고리즘</a:t>
-            </a:r>
-            <a:endParaRPr lang="ko-KR" altLang="en-US" sz="4400" dirty="0">
-              <a:solidFill>
-                <a:schemeClr val="tx1">
-                  <a:lumMod val="75000"/>
-                  <a:lumOff val="25000"/>
-                </a:schemeClr>
-              </a:solidFill>
-            </a:endParaRPr>
-          </a:p>
-        </p:txBody>
-      </p:sp>
-      <p:sp>
-        <p:nvSpPr>
-          <p:cNvPr id="3" name="슬라이드 번호 개체 틀 2"/>
-          <p:cNvSpPr>
-            <a:spLocks noGrp="1"/>
-          </p:cNvSpPr>
-          <p:nvPr>
-            <p:ph type="sldNum" sz="quarter" idx="12"/>
-          </p:nvPr>
-        </p:nvSpPr>
-        <p:spPr/>
-        <p:txBody>
-          <a:bodyPr/>
-          <a:lstStyle/>
-          <a:p>
-            <a:fld id="{6DDAE2C3-1A0B-474A-8CE8-AE55B8D9D4B1}" type="slidenum">
-              <a:rPr lang="ko-KR" altLang="en-US" smtClean="0"/>
-              <a:pPr/>
-              <a:t>18</a:t>
-            </a:fld>
-            <a:endParaRPr lang="ko-KR" altLang="en-US" dirty="0"/>
-          </a:p>
-        </p:txBody>
-      </p:sp>
-      <p:pic>
-        <p:nvPicPr>
-          <p:cNvPr id="2" name="그림 1">
-            <a:extLst>
-              <a:ext uri="{FF2B5EF4-FFF2-40B4-BE49-F238E27FC236}">
-                <a16:creationId xmlns:a16="http://schemas.microsoft.com/office/drawing/2014/main" id="{584EE725-362F-4CBD-8B56-F9827AE4F0D4}"/>
-              </a:ext>
-            </a:extLst>
-          </p:cNvPr>
-          <p:cNvPicPr>
-            <a:picLocks noChangeAspect="1"/>
-          </p:cNvPicPr>
-          <p:nvPr/>
-        </p:nvPicPr>
-        <p:blipFill>
-          <a:blip r:embed="rId2"/>
-          <a:stretch>
-            <a:fillRect/>
-          </a:stretch>
-        </p:blipFill>
-        <p:spPr>
-          <a:xfrm>
-            <a:off x="3199805" y="530680"/>
-            <a:ext cx="7820025" cy="5553075"/>
-          </a:xfrm>
-          <a:prstGeom prst="rect">
-            <a:avLst/>
-          </a:prstGeom>
-        </p:spPr>
-      </p:pic>
-    </p:spTree>
-    <p:extLst>
-      <p:ext uri="{BB962C8B-B14F-4D97-AF65-F5344CB8AC3E}">
-        <p14:creationId xmlns:p14="http://schemas.microsoft.com/office/powerpoint/2010/main" val="1248076870"/>
-      </p:ext>
-    </p:extLst>
-  </p:cSld>
-  <p:clrMapOvr>
-    <a:masterClrMapping/>
-  </p:clrMapOvr>
-</p:sld>
-</file>
-
-<file path=ppt/slides/slide19.xml><?xml version="1.0" encoding="utf-8"?>
-<p:sld xmlns:a="http://schemas.openxmlformats.org/drawingml/2006/main" xmlns:r="http://schemas.openxmlformats.org/officeDocument/2006/relationships" xmlns:p="http://schemas.openxmlformats.org/presentationml/2006/main">
-  <p:cSld>
-    <p:spTree>
-      <p:nvGrpSpPr>
-        <p:cNvPr id="1" name=""/>
-        <p:cNvGrpSpPr/>
-        <p:nvPr/>
-      </p:nvGrpSpPr>
-      <p:grpSpPr>
-        <a:xfrm>
-          <a:off x="0" y="0"/>
-          <a:ext cx="0" cy="0"/>
-          <a:chOff x="0" y="0"/>
-          <a:chExt cx="0" cy="0"/>
-        </a:xfrm>
-      </p:grpSpPr>
-      <p:sp>
-        <p:nvSpPr>
-          <p:cNvPr id="5" name="제목 4"/>
-          <p:cNvSpPr>
-            <a:spLocks noGrp="1"/>
-          </p:cNvSpPr>
-          <p:nvPr>
-            <p:ph type="title"/>
-          </p:nvPr>
-        </p:nvSpPr>
-        <p:spPr>
-          <a:xfrm>
-            <a:off x="608016" y="551987"/>
-            <a:ext cx="10944225" cy="1140090"/>
-          </a:xfrm>
-        </p:spPr>
-        <p:txBody>
-          <a:bodyPr>
-            <a:normAutofit/>
-          </a:bodyPr>
-          <a:lstStyle/>
-          <a:p>
-            <a:pPr algn="l"/>
-            <a:r>
-              <a:rPr lang="en-US" altLang="ko-KR" sz="4400" dirty="0">
-                <a:solidFill>
-                  <a:schemeClr val="tx1">
-                    <a:lumMod val="75000"/>
-                    <a:lumOff val="25000"/>
-                  </a:schemeClr>
-                </a:solidFill>
-                <a:latin typeface="Noto Sans CJK KR Black" pitchFamily="34" charset="-127"/>
-                <a:ea typeface="Noto Sans CJK KR Black" pitchFamily="34" charset="-127"/>
-              </a:rPr>
-              <a:t>2. </a:t>
-            </a:r>
-            <a:r>
-              <a:rPr lang="ko-KR" altLang="en-US" sz="4400" dirty="0">
-                <a:solidFill>
-                  <a:schemeClr val="tx1">
-                    <a:lumMod val="75000"/>
-                    <a:lumOff val="25000"/>
-                  </a:schemeClr>
-                </a:solidFill>
-                <a:latin typeface="Noto Sans CJK KR Black" pitchFamily="34" charset="-127"/>
-                <a:ea typeface="Noto Sans CJK KR Black" pitchFamily="34" charset="-127"/>
-              </a:rPr>
-              <a:t>시계열 알고리즘</a:t>
-            </a:r>
-            <a:endParaRPr lang="ko-KR" altLang="en-US" sz="4400" dirty="0">
-              <a:solidFill>
-                <a:schemeClr val="tx1">
-                  <a:lumMod val="75000"/>
-                  <a:lumOff val="25000"/>
-                </a:schemeClr>
-              </a:solidFill>
-            </a:endParaRPr>
-          </a:p>
-        </p:txBody>
-      </p:sp>
-      <p:sp>
-        <p:nvSpPr>
-          <p:cNvPr id="3" name="슬라이드 번호 개체 틀 2"/>
-          <p:cNvSpPr>
-            <a:spLocks noGrp="1"/>
-          </p:cNvSpPr>
-          <p:nvPr>
-            <p:ph type="sldNum" sz="quarter" idx="12"/>
-          </p:nvPr>
-        </p:nvSpPr>
-        <p:spPr/>
-        <p:txBody>
-          <a:bodyPr/>
-          <a:lstStyle/>
-          <a:p>
-            <a:fld id="{6DDAE2C3-1A0B-474A-8CE8-AE55B8D9D4B1}" type="slidenum">
-              <a:rPr lang="ko-KR" altLang="en-US" smtClean="0"/>
-              <a:pPr/>
-              <a:t>19</a:t>
-            </a:fld>
-            <a:endParaRPr lang="ko-KR" altLang="en-US" dirty="0"/>
-          </a:p>
-        </p:txBody>
-      </p:sp>
-      <p:pic>
-        <p:nvPicPr>
-          <p:cNvPr id="2" name="그림 1">
-            <a:extLst>
-              <a:ext uri="{FF2B5EF4-FFF2-40B4-BE49-F238E27FC236}">
-                <a16:creationId xmlns:a16="http://schemas.microsoft.com/office/drawing/2014/main" id="{93F72C46-B703-49C2-A2AA-0CB7A692D5CC}"/>
-              </a:ext>
-            </a:extLst>
-          </p:cNvPr>
-          <p:cNvPicPr>
-            <a:picLocks noChangeAspect="1"/>
-          </p:cNvPicPr>
-          <p:nvPr/>
-        </p:nvPicPr>
-        <p:blipFill>
-          <a:blip r:embed="rId2"/>
-          <a:stretch>
-            <a:fillRect/>
-          </a:stretch>
-        </p:blipFill>
-        <p:spPr>
-          <a:xfrm>
-            <a:off x="1951037" y="2086769"/>
-            <a:ext cx="8258175" cy="2667000"/>
-          </a:xfrm>
-          <a:prstGeom prst="rect">
-            <a:avLst/>
-          </a:prstGeom>
-        </p:spPr>
-      </p:pic>
-      <p:pic>
-        <p:nvPicPr>
-          <p:cNvPr id="4" name="그림 3">
-            <a:extLst>
-              <a:ext uri="{FF2B5EF4-FFF2-40B4-BE49-F238E27FC236}">
-                <a16:creationId xmlns:a16="http://schemas.microsoft.com/office/drawing/2014/main" id="{9E33E7AE-BF80-49CF-AF52-5AE076AB868E}"/>
-              </a:ext>
-            </a:extLst>
-          </p:cNvPr>
-          <p:cNvPicPr>
-            <a:picLocks noChangeAspect="1"/>
-          </p:cNvPicPr>
-          <p:nvPr/>
-        </p:nvPicPr>
-        <p:blipFill>
-          <a:blip r:embed="rId3"/>
-          <a:stretch>
-            <a:fillRect/>
-          </a:stretch>
-        </p:blipFill>
-        <p:spPr>
-          <a:xfrm>
-            <a:off x="1960562" y="5148461"/>
-            <a:ext cx="8248650" cy="1019175"/>
-          </a:xfrm>
-          <a:prstGeom prst="rect">
-            <a:avLst/>
-          </a:prstGeom>
-        </p:spPr>
-      </p:pic>
-    </p:spTree>
-    <p:extLst>
-      <p:ext uri="{BB962C8B-B14F-4D97-AF65-F5344CB8AC3E}">
-        <p14:creationId xmlns:p14="http://schemas.microsoft.com/office/powerpoint/2010/main" val="4061144604"/>
-      </p:ext>
-    </p:extLst>
-  </p:cSld>
-  <p:clrMapOvr>
-    <a:masterClrMapping/>
-  </p:clrMapOvr>
-</p:sld>
-</file>
-
-<file path=ppt/slides/slide2.xml><?xml version="1.0" encoding="utf-8"?>
-<p:sld xmlns:a="http://schemas.openxmlformats.org/drawingml/2006/main" xmlns:r="http://schemas.openxmlformats.org/officeDocument/2006/relationships" xmlns:p="http://schemas.openxmlformats.org/presentationml/2006/main">
-  <p:cSld>
-    <p:spTree>
-      <p:nvGrpSpPr>
-        <p:cNvPr id="1" name=""/>
-        <p:cNvGrpSpPr/>
-        <p:nvPr/>
-      </p:nvGrpSpPr>
-      <p:grpSpPr>
-        <a:xfrm>
-          <a:off x="0" y="0"/>
-          <a:ext cx="0" cy="0"/>
-          <a:chOff x="0" y="0"/>
-          <a:chExt cx="0" cy="0"/>
-        </a:xfrm>
-      </p:grpSpPr>
-      <p:sp>
-        <p:nvSpPr>
-          <p:cNvPr id="5" name="제목 4"/>
-          <p:cNvSpPr>
-            <a:spLocks noGrp="1"/>
-          </p:cNvSpPr>
-          <p:nvPr>
-            <p:ph type="title"/>
-          </p:nvPr>
-        </p:nvSpPr>
-        <p:spPr>
-          <a:xfrm>
-            <a:off x="608016" y="551987"/>
-            <a:ext cx="10944225" cy="1140090"/>
-          </a:xfrm>
-        </p:spPr>
-        <p:txBody>
-          <a:bodyPr>
-            <a:normAutofit/>
-          </a:bodyPr>
-          <a:lstStyle/>
-          <a:p>
-            <a:pPr algn="l"/>
-            <a:r>
-              <a:rPr lang="ko-KR" altLang="en-US" sz="4400" dirty="0">
-                <a:solidFill>
-                  <a:schemeClr val="tx1">
-                    <a:lumMod val="75000"/>
-                    <a:lumOff val="25000"/>
-                  </a:schemeClr>
-                </a:solidFill>
-                <a:latin typeface="Noto Sans CJK KR Black" pitchFamily="34" charset="-127"/>
-                <a:ea typeface="Noto Sans CJK KR Black" pitchFamily="34" charset="-127"/>
-              </a:rPr>
-              <a:t>강의순서</a:t>
-            </a:r>
-            <a:r>
-              <a:rPr lang="en-US" altLang="ko-KR" sz="4400" dirty="0">
-                <a:solidFill>
-                  <a:schemeClr val="tx1">
-                    <a:lumMod val="75000"/>
-                    <a:lumOff val="25000"/>
-                  </a:schemeClr>
-                </a:solidFill>
-                <a:latin typeface="Noto Sans CJK KR Black" pitchFamily="34" charset="-127"/>
-                <a:ea typeface="Noto Sans CJK KR Black" pitchFamily="34" charset="-127"/>
-              </a:rPr>
-              <a:t>(Part3: 6</a:t>
-            </a:r>
-            <a:r>
-              <a:rPr lang="ko-KR" altLang="en-US" sz="4400" dirty="0" err="1">
-                <a:solidFill>
-                  <a:schemeClr val="tx1">
-                    <a:lumMod val="75000"/>
-                    <a:lumOff val="25000"/>
-                  </a:schemeClr>
-                </a:solidFill>
-                <a:latin typeface="Noto Sans CJK KR Black" pitchFamily="34" charset="-127"/>
-                <a:ea typeface="Noto Sans CJK KR Black" pitchFamily="34" charset="-127"/>
-              </a:rPr>
-              <a:t>회차</a:t>
-            </a:r>
-            <a:r>
-              <a:rPr lang="en-US" altLang="ko-KR" sz="4400" dirty="0">
-                <a:solidFill>
-                  <a:schemeClr val="tx1">
-                    <a:lumMod val="75000"/>
-                    <a:lumOff val="25000"/>
-                  </a:schemeClr>
-                </a:solidFill>
-                <a:latin typeface="Noto Sans CJK KR Black" pitchFamily="34" charset="-127"/>
-                <a:ea typeface="Noto Sans CJK KR Black" pitchFamily="34" charset="-127"/>
-              </a:rPr>
-              <a:t>)</a:t>
-            </a:r>
-            <a:r>
-              <a:rPr lang="ko-KR" altLang="en-US" sz="4400" dirty="0">
-                <a:solidFill>
-                  <a:schemeClr val="tx1">
-                    <a:lumMod val="75000"/>
-                    <a:lumOff val="25000"/>
-                  </a:schemeClr>
-                </a:solidFill>
-              </a:rPr>
-              <a:t> </a:t>
-            </a:r>
-          </a:p>
-        </p:txBody>
-      </p:sp>
-      <p:sp>
-        <p:nvSpPr>
-          <p:cNvPr id="15" name="슬라이드 번호 개체 틀 14"/>
-          <p:cNvSpPr>
-            <a:spLocks noGrp="1"/>
-          </p:cNvSpPr>
-          <p:nvPr>
-            <p:ph type="sldNum" sz="quarter" idx="12"/>
-          </p:nvPr>
-        </p:nvSpPr>
-        <p:spPr/>
-        <p:txBody>
-          <a:bodyPr/>
-          <a:lstStyle/>
-          <a:p>
-            <a:fld id="{6DDAE2C3-1A0B-474A-8CE8-AE55B8D9D4B1}" type="slidenum">
-              <a:rPr lang="ko-KR" altLang="en-US" smtClean="0"/>
-              <a:pPr/>
-              <a:t>2</a:t>
-            </a:fld>
-            <a:endParaRPr lang="ko-KR" altLang="en-US" dirty="0"/>
-          </a:p>
-        </p:txBody>
-      </p:sp>
-      <p:pic>
-        <p:nvPicPr>
-          <p:cNvPr id="3" name="그림 2">
-            <a:extLst>
-              <a:ext uri="{FF2B5EF4-FFF2-40B4-BE49-F238E27FC236}">
-                <a16:creationId xmlns:a16="http://schemas.microsoft.com/office/drawing/2014/main" id="{58007719-B80C-4EDD-A170-0DF582B1576A}"/>
-              </a:ext>
-            </a:extLst>
-          </p:cNvPr>
-          <p:cNvPicPr>
-            <a:picLocks noChangeAspect="1"/>
-          </p:cNvPicPr>
-          <p:nvPr/>
-        </p:nvPicPr>
-        <p:blipFill>
-          <a:blip r:embed="rId2"/>
-          <a:stretch>
-            <a:fillRect/>
-          </a:stretch>
-        </p:blipFill>
-        <p:spPr>
-          <a:xfrm>
-            <a:off x="3914862" y="2052117"/>
-            <a:ext cx="4330526" cy="4003282"/>
-          </a:xfrm>
-          <a:prstGeom prst="rect">
-            <a:avLst/>
-          </a:prstGeom>
-        </p:spPr>
-      </p:pic>
-    </p:spTree>
-    <p:extLst>
-      <p:ext uri="{BB962C8B-B14F-4D97-AF65-F5344CB8AC3E}">
-        <p14:creationId xmlns:p14="http://schemas.microsoft.com/office/powerpoint/2010/main" val="2877754834"/>
-      </p:ext>
-    </p:extLst>
-  </p:cSld>
-  <p:clrMapOvr>
-    <a:masterClrMapping/>
-  </p:clrMapOvr>
-</p:sld>
-</file>
-
-<file path=ppt/slides/slide20.xml><?xml version="1.0" encoding="utf-8"?>
-<p:sld xmlns:a="http://schemas.openxmlformats.org/drawingml/2006/main" xmlns:r="http://schemas.openxmlformats.org/officeDocument/2006/relationships" xmlns:p="http://schemas.openxmlformats.org/presentationml/2006/main">
-  <p:cSld>
-    <p:spTree>
-      <p:nvGrpSpPr>
-        <p:cNvPr id="1" name=""/>
-        <p:cNvGrpSpPr/>
-        <p:nvPr/>
-      </p:nvGrpSpPr>
-      <p:grpSpPr>
-        <a:xfrm>
-          <a:off x="0" y="0"/>
-          <a:ext cx="0" cy="0"/>
-          <a:chOff x="0" y="0"/>
-          <a:chExt cx="0" cy="0"/>
-        </a:xfrm>
-      </p:grpSpPr>
-      <p:sp>
-        <p:nvSpPr>
-          <p:cNvPr id="5" name="제목 4"/>
-          <p:cNvSpPr>
-            <a:spLocks noGrp="1"/>
-          </p:cNvSpPr>
-          <p:nvPr>
-            <p:ph type="title"/>
-          </p:nvPr>
-        </p:nvSpPr>
-        <p:spPr>
-          <a:xfrm>
-            <a:off x="608016" y="551987"/>
-            <a:ext cx="10944225" cy="1140090"/>
-          </a:xfrm>
-        </p:spPr>
-        <p:txBody>
-          <a:bodyPr>
-            <a:normAutofit fontScale="90000"/>
-          </a:bodyPr>
-          <a:lstStyle/>
-          <a:p>
-            <a:pPr algn="l"/>
-            <a:r>
-              <a:rPr lang="en-US" altLang="ko-KR" sz="4400" dirty="0">
-                <a:solidFill>
-                  <a:schemeClr val="tx1">
-                    <a:lumMod val="75000"/>
-                    <a:lumOff val="25000"/>
-                  </a:schemeClr>
-                </a:solidFill>
-                <a:latin typeface="Noto Sans CJK KR Black" pitchFamily="34" charset="-127"/>
-                <a:ea typeface="Noto Sans CJK KR Black" pitchFamily="34" charset="-127"/>
-              </a:rPr>
-              <a:t>2. </a:t>
-            </a:r>
-            <a:r>
-              <a:rPr lang="ko-KR" altLang="en-US" sz="4400" dirty="0">
-                <a:solidFill>
-                  <a:schemeClr val="tx1">
-                    <a:lumMod val="75000"/>
-                    <a:lumOff val="25000"/>
-                  </a:schemeClr>
-                </a:solidFill>
-                <a:latin typeface="Noto Sans CJK KR Black" pitchFamily="34" charset="-127"/>
-                <a:ea typeface="Noto Sans CJK KR Black" pitchFamily="34" charset="-127"/>
-              </a:rPr>
-              <a:t>시계열</a:t>
-            </a:r>
-            <a:br>
-              <a:rPr lang="en-US" altLang="ko-KR" sz="4400" dirty="0">
-                <a:solidFill>
-                  <a:schemeClr val="tx1">
-                    <a:lumMod val="75000"/>
-                    <a:lumOff val="25000"/>
-                  </a:schemeClr>
-                </a:solidFill>
-                <a:latin typeface="Noto Sans CJK KR Black" pitchFamily="34" charset="-127"/>
-                <a:ea typeface="Noto Sans CJK KR Black" pitchFamily="34" charset="-127"/>
-              </a:rPr>
-            </a:br>
-            <a:r>
-              <a:rPr lang="ko-KR" altLang="en-US" sz="4400" dirty="0">
-                <a:solidFill>
-                  <a:schemeClr val="tx1">
-                    <a:lumMod val="75000"/>
-                    <a:lumOff val="25000"/>
-                  </a:schemeClr>
-                </a:solidFill>
-                <a:latin typeface="Noto Sans CJK KR Black" pitchFamily="34" charset="-127"/>
-                <a:ea typeface="Noto Sans CJK KR Black" pitchFamily="34" charset="-127"/>
-              </a:rPr>
-              <a:t> 알고리즘</a:t>
-            </a:r>
-            <a:endParaRPr lang="ko-KR" altLang="en-US" sz="4400" dirty="0">
-              <a:solidFill>
-                <a:schemeClr val="tx1">
-                  <a:lumMod val="75000"/>
-                  <a:lumOff val="25000"/>
-                </a:schemeClr>
-              </a:solidFill>
-            </a:endParaRPr>
-          </a:p>
-        </p:txBody>
-      </p:sp>
-      <p:sp>
-        <p:nvSpPr>
-          <p:cNvPr id="3" name="슬라이드 번호 개체 틀 2"/>
-          <p:cNvSpPr>
-            <a:spLocks noGrp="1"/>
-          </p:cNvSpPr>
-          <p:nvPr>
-            <p:ph type="sldNum" sz="quarter" idx="12"/>
-          </p:nvPr>
-        </p:nvSpPr>
-        <p:spPr/>
-        <p:txBody>
-          <a:bodyPr/>
-          <a:lstStyle/>
-          <a:p>
-            <a:fld id="{6DDAE2C3-1A0B-474A-8CE8-AE55B8D9D4B1}" type="slidenum">
-              <a:rPr lang="ko-KR" altLang="en-US" smtClean="0"/>
-              <a:pPr/>
-              <a:t>20</a:t>
-            </a:fld>
-            <a:endParaRPr lang="ko-KR" altLang="en-US" dirty="0"/>
-          </a:p>
-        </p:txBody>
-      </p:sp>
-      <p:pic>
-        <p:nvPicPr>
-          <p:cNvPr id="2" name="그림 1">
-            <a:extLst>
-              <a:ext uri="{FF2B5EF4-FFF2-40B4-BE49-F238E27FC236}">
-                <a16:creationId xmlns:a16="http://schemas.microsoft.com/office/drawing/2014/main" id="{E4F9E486-DBE1-4D8B-9243-A220F591C24B}"/>
-              </a:ext>
-            </a:extLst>
-          </p:cNvPr>
-          <p:cNvPicPr>
-            <a:picLocks noChangeAspect="1"/>
-          </p:cNvPicPr>
-          <p:nvPr/>
-        </p:nvPicPr>
-        <p:blipFill>
-          <a:blip r:embed="rId2"/>
-          <a:stretch>
-            <a:fillRect/>
-          </a:stretch>
-        </p:blipFill>
-        <p:spPr>
-          <a:xfrm>
-            <a:off x="3092450" y="191294"/>
-            <a:ext cx="9067800" cy="6457950"/>
-          </a:xfrm>
-          <a:prstGeom prst="rect">
-            <a:avLst/>
-          </a:prstGeom>
-        </p:spPr>
-      </p:pic>
-    </p:spTree>
-    <p:extLst>
-      <p:ext uri="{BB962C8B-B14F-4D97-AF65-F5344CB8AC3E}">
-        <p14:creationId xmlns:p14="http://schemas.microsoft.com/office/powerpoint/2010/main" val="829114200"/>
-      </p:ext>
-    </p:extLst>
-  </p:cSld>
-  <p:clrMapOvr>
-    <a:masterClrMapping/>
-  </p:clrMapOvr>
-</p:sld>
-</file>
-
-<file path=ppt/slides/slide21.xml><?xml version="1.0" encoding="utf-8"?>
-<p:sld xmlns:a="http://schemas.openxmlformats.org/drawingml/2006/main" xmlns:r="http://schemas.openxmlformats.org/officeDocument/2006/relationships" xmlns:p="http://schemas.openxmlformats.org/presentationml/2006/main">
-  <p:cSld>
-    <p:spTree>
-      <p:nvGrpSpPr>
-        <p:cNvPr id="1" name=""/>
-        <p:cNvGrpSpPr/>
-        <p:nvPr/>
-      </p:nvGrpSpPr>
-      <p:grpSpPr>
-        <a:xfrm>
-          <a:off x="0" y="0"/>
-          <a:ext cx="0" cy="0"/>
-          <a:chOff x="0" y="0"/>
-          <a:chExt cx="0" cy="0"/>
-        </a:xfrm>
-      </p:grpSpPr>
-      <p:sp>
-        <p:nvSpPr>
-          <p:cNvPr id="5" name="제목 4"/>
-          <p:cNvSpPr>
-            <a:spLocks noGrp="1"/>
-          </p:cNvSpPr>
-          <p:nvPr>
-            <p:ph type="title"/>
-          </p:nvPr>
-        </p:nvSpPr>
-        <p:spPr>
-          <a:xfrm>
-            <a:off x="608016" y="551987"/>
-            <a:ext cx="10944225" cy="1140090"/>
-          </a:xfrm>
-        </p:spPr>
-        <p:txBody>
-          <a:bodyPr>
-            <a:normAutofit fontScale="90000"/>
-          </a:bodyPr>
-          <a:lstStyle/>
-          <a:p>
-            <a:pPr algn="l"/>
-            <a:r>
-              <a:rPr lang="en-US" altLang="ko-KR" sz="4400" dirty="0">
-                <a:solidFill>
-                  <a:schemeClr val="tx1">
-                    <a:lumMod val="75000"/>
-                    <a:lumOff val="25000"/>
-                  </a:schemeClr>
-                </a:solidFill>
-                <a:latin typeface="Noto Sans CJK KR Black" pitchFamily="34" charset="-127"/>
-                <a:ea typeface="Noto Sans CJK KR Black" pitchFamily="34" charset="-127"/>
-              </a:rPr>
-              <a:t>2. </a:t>
-            </a:r>
-            <a:r>
-              <a:rPr lang="ko-KR" altLang="en-US" sz="4400" dirty="0">
-                <a:solidFill>
-                  <a:schemeClr val="tx1">
-                    <a:lumMod val="75000"/>
-                    <a:lumOff val="25000"/>
-                  </a:schemeClr>
-                </a:solidFill>
-                <a:latin typeface="Noto Sans CJK KR Black" pitchFamily="34" charset="-127"/>
-                <a:ea typeface="Noto Sans CJK KR Black" pitchFamily="34" charset="-127"/>
-              </a:rPr>
-              <a:t>시계열</a:t>
-            </a:r>
-            <a:br>
-              <a:rPr lang="en-US" altLang="ko-KR" sz="4400" dirty="0">
-                <a:solidFill>
-                  <a:schemeClr val="tx1">
-                    <a:lumMod val="75000"/>
-                    <a:lumOff val="25000"/>
-                  </a:schemeClr>
-                </a:solidFill>
-                <a:latin typeface="Noto Sans CJK KR Black" pitchFamily="34" charset="-127"/>
-                <a:ea typeface="Noto Sans CJK KR Black" pitchFamily="34" charset="-127"/>
-              </a:rPr>
-            </a:br>
-            <a:r>
-              <a:rPr lang="ko-KR" altLang="en-US" sz="4400" dirty="0">
-                <a:solidFill>
-                  <a:schemeClr val="tx1">
-                    <a:lumMod val="75000"/>
-                    <a:lumOff val="25000"/>
-                  </a:schemeClr>
-                </a:solidFill>
-                <a:latin typeface="Noto Sans CJK KR Black" pitchFamily="34" charset="-127"/>
-                <a:ea typeface="Noto Sans CJK KR Black" pitchFamily="34" charset="-127"/>
-              </a:rPr>
-              <a:t> 알고리즘</a:t>
-            </a:r>
-            <a:endParaRPr lang="ko-KR" altLang="en-US" sz="4400" dirty="0">
-              <a:solidFill>
-                <a:schemeClr val="tx1">
-                  <a:lumMod val="75000"/>
-                  <a:lumOff val="25000"/>
-                </a:schemeClr>
-              </a:solidFill>
-            </a:endParaRPr>
-          </a:p>
-        </p:txBody>
-      </p:sp>
-      <p:sp>
-        <p:nvSpPr>
-          <p:cNvPr id="3" name="슬라이드 번호 개체 틀 2"/>
-          <p:cNvSpPr>
-            <a:spLocks noGrp="1"/>
-          </p:cNvSpPr>
-          <p:nvPr>
-            <p:ph type="sldNum" sz="quarter" idx="12"/>
-          </p:nvPr>
-        </p:nvSpPr>
-        <p:spPr/>
-        <p:txBody>
-          <a:bodyPr/>
-          <a:lstStyle/>
-          <a:p>
-            <a:fld id="{6DDAE2C3-1A0B-474A-8CE8-AE55B8D9D4B1}" type="slidenum">
-              <a:rPr lang="ko-KR" altLang="en-US" smtClean="0"/>
-              <a:pPr/>
-              <a:t>21</a:t>
-            </a:fld>
-            <a:endParaRPr lang="ko-KR" altLang="en-US" dirty="0"/>
-          </a:p>
-        </p:txBody>
-      </p:sp>
-      <p:pic>
-        <p:nvPicPr>
-          <p:cNvPr id="4" name="그림 3">
-            <a:extLst>
-              <a:ext uri="{FF2B5EF4-FFF2-40B4-BE49-F238E27FC236}">
-                <a16:creationId xmlns:a16="http://schemas.microsoft.com/office/drawing/2014/main" id="{C02A698F-6E88-4B49-8B68-6CDF14962AF3}"/>
-              </a:ext>
-            </a:extLst>
-          </p:cNvPr>
-          <p:cNvPicPr>
-            <a:picLocks noChangeAspect="1"/>
-          </p:cNvPicPr>
-          <p:nvPr/>
-        </p:nvPicPr>
-        <p:blipFill>
-          <a:blip r:embed="rId2"/>
-          <a:stretch>
-            <a:fillRect/>
-          </a:stretch>
-        </p:blipFill>
-        <p:spPr>
-          <a:xfrm>
-            <a:off x="4423941" y="251917"/>
-            <a:ext cx="5648325" cy="2200275"/>
-          </a:xfrm>
-          <a:prstGeom prst="rect">
-            <a:avLst/>
-          </a:prstGeom>
-        </p:spPr>
-      </p:pic>
-      <p:pic>
-        <p:nvPicPr>
-          <p:cNvPr id="6" name="그림 5">
-            <a:extLst>
-              <a:ext uri="{FF2B5EF4-FFF2-40B4-BE49-F238E27FC236}">
-                <a16:creationId xmlns:a16="http://schemas.microsoft.com/office/drawing/2014/main" id="{1341F157-F045-44D3-B006-B8FAB7CCBCC7}"/>
-              </a:ext>
-            </a:extLst>
-          </p:cNvPr>
-          <p:cNvPicPr>
-            <a:picLocks noChangeAspect="1"/>
-          </p:cNvPicPr>
-          <p:nvPr/>
-        </p:nvPicPr>
-        <p:blipFill>
-          <a:blip r:embed="rId3"/>
-          <a:stretch>
-            <a:fillRect/>
-          </a:stretch>
-        </p:blipFill>
-        <p:spPr>
-          <a:xfrm>
-            <a:off x="3744316" y="2622415"/>
-            <a:ext cx="8382000" cy="4143375"/>
-          </a:xfrm>
-          <a:prstGeom prst="rect">
-            <a:avLst/>
-          </a:prstGeom>
-        </p:spPr>
-      </p:pic>
-    </p:spTree>
-    <p:extLst>
-      <p:ext uri="{BB962C8B-B14F-4D97-AF65-F5344CB8AC3E}">
-        <p14:creationId xmlns:p14="http://schemas.microsoft.com/office/powerpoint/2010/main" val="3119711726"/>
-      </p:ext>
-    </p:extLst>
-  </p:cSld>
-  <p:clrMapOvr>
-    <a:masterClrMapping/>
-  </p:clrMapOvr>
-</p:sld>
-</file>
-
-<file path=ppt/slides/slide22.xml><?xml version="1.0" encoding="utf-8"?>
-<p:sld xmlns:a="http://schemas.openxmlformats.org/drawingml/2006/main" xmlns:r="http://schemas.openxmlformats.org/officeDocument/2006/relationships" xmlns:p="http://schemas.openxmlformats.org/presentationml/2006/main">
-  <p:cSld>
-    <p:spTree>
-      <p:nvGrpSpPr>
-        <p:cNvPr id="1" name=""/>
-        <p:cNvGrpSpPr/>
-        <p:nvPr/>
-      </p:nvGrpSpPr>
-      <p:grpSpPr>
-        <a:xfrm>
-          <a:off x="0" y="0"/>
-          <a:ext cx="0" cy="0"/>
-          <a:chOff x="0" y="0"/>
-          <a:chExt cx="0" cy="0"/>
-        </a:xfrm>
-      </p:grpSpPr>
-      <p:sp>
-        <p:nvSpPr>
-          <p:cNvPr id="5" name="제목 4"/>
-          <p:cNvSpPr>
-            <a:spLocks noGrp="1"/>
-          </p:cNvSpPr>
-          <p:nvPr>
-            <p:ph type="title"/>
-          </p:nvPr>
-        </p:nvSpPr>
-        <p:spPr>
-          <a:xfrm>
-            <a:off x="608016" y="551987"/>
-            <a:ext cx="10944225" cy="1140090"/>
-          </a:xfrm>
-        </p:spPr>
-        <p:txBody>
-          <a:bodyPr>
-            <a:normAutofit/>
-          </a:bodyPr>
-          <a:lstStyle/>
-          <a:p>
-            <a:pPr algn="l"/>
-            <a:r>
-              <a:rPr lang="en-US" altLang="ko-KR" sz="4400" dirty="0">
-                <a:solidFill>
-                  <a:schemeClr val="tx1">
-                    <a:lumMod val="75000"/>
-                    <a:lumOff val="25000"/>
-                  </a:schemeClr>
-                </a:solidFill>
-                <a:latin typeface="Noto Sans CJK KR Black" pitchFamily="34" charset="-127"/>
-                <a:ea typeface="Noto Sans CJK KR Black" pitchFamily="34" charset="-127"/>
-              </a:rPr>
-              <a:t>2. </a:t>
-            </a:r>
-            <a:r>
-              <a:rPr lang="ko-KR" altLang="en-US" sz="4400" dirty="0">
-                <a:solidFill>
-                  <a:schemeClr val="tx1">
-                    <a:lumMod val="75000"/>
-                    <a:lumOff val="25000"/>
-                  </a:schemeClr>
-                </a:solidFill>
-                <a:latin typeface="Noto Sans CJK KR Black" pitchFamily="34" charset="-127"/>
-                <a:ea typeface="Noto Sans CJK KR Black" pitchFamily="34" charset="-127"/>
-              </a:rPr>
-              <a:t>시계열 알고리즘</a:t>
-            </a:r>
-            <a:endParaRPr lang="ko-KR" altLang="en-US" sz="4400" dirty="0">
-              <a:solidFill>
-                <a:schemeClr val="tx1">
-                  <a:lumMod val="75000"/>
-                  <a:lumOff val="25000"/>
-                </a:schemeClr>
-              </a:solidFill>
-            </a:endParaRPr>
-          </a:p>
-        </p:txBody>
-      </p:sp>
-      <p:sp>
-        <p:nvSpPr>
-          <p:cNvPr id="3" name="슬라이드 번호 개체 틀 2"/>
-          <p:cNvSpPr>
-            <a:spLocks noGrp="1"/>
-          </p:cNvSpPr>
-          <p:nvPr>
-            <p:ph type="sldNum" sz="quarter" idx="12"/>
-          </p:nvPr>
-        </p:nvSpPr>
-        <p:spPr/>
-        <p:txBody>
-          <a:bodyPr/>
-          <a:lstStyle/>
-          <a:p>
-            <a:fld id="{6DDAE2C3-1A0B-474A-8CE8-AE55B8D9D4B1}" type="slidenum">
-              <a:rPr lang="ko-KR" altLang="en-US" smtClean="0"/>
-              <a:pPr/>
-              <a:t>22</a:t>
-            </a:fld>
-            <a:endParaRPr lang="ko-KR" altLang="en-US" dirty="0"/>
-          </a:p>
-        </p:txBody>
-      </p:sp>
-      <p:pic>
-        <p:nvPicPr>
-          <p:cNvPr id="2" name="그림 1">
-            <a:extLst>
-              <a:ext uri="{FF2B5EF4-FFF2-40B4-BE49-F238E27FC236}">
-                <a16:creationId xmlns:a16="http://schemas.microsoft.com/office/drawing/2014/main" id="{08676314-CC49-448D-A2FD-030F814F0DC8}"/>
-              </a:ext>
-            </a:extLst>
-          </p:cNvPr>
-          <p:cNvPicPr>
-            <a:picLocks noChangeAspect="1"/>
-          </p:cNvPicPr>
-          <p:nvPr/>
-        </p:nvPicPr>
-        <p:blipFill>
-          <a:blip r:embed="rId2"/>
-          <a:stretch>
-            <a:fillRect/>
-          </a:stretch>
-        </p:blipFill>
-        <p:spPr>
-          <a:xfrm>
-            <a:off x="1474787" y="1975496"/>
-            <a:ext cx="9210675" cy="4324350"/>
-          </a:xfrm>
-          <a:prstGeom prst="rect">
-            <a:avLst/>
-          </a:prstGeom>
-        </p:spPr>
-      </p:pic>
-    </p:spTree>
-    <p:extLst>
-      <p:ext uri="{BB962C8B-B14F-4D97-AF65-F5344CB8AC3E}">
-        <p14:creationId xmlns:p14="http://schemas.microsoft.com/office/powerpoint/2010/main" val="3372779256"/>
-      </p:ext>
-    </p:extLst>
-  </p:cSld>
-  <p:clrMapOvr>
-    <a:masterClrMapping/>
-  </p:clrMapOvr>
-</p:sld>
-</file>
-
-<file path=ppt/slides/slide23.xml><?xml version="1.0" encoding="utf-8"?>
 <p:sld xmlns:a="http://schemas.openxmlformats.org/drawingml/2006/main" xmlns:r="http://schemas.openxmlformats.org/officeDocument/2006/relationships" xmlns:p="http://schemas.openxmlformats.org/presentationml/2006/main">
   <p:cSld>
     <p:spTree>
@@ -6481,7 +4182,7 @@
 </p:sld>
 </file>
 
-<file path=ppt/slides/slide3.xml><?xml version="1.0" encoding="utf-8"?>
+<file path=ppt/slides/slide2.xml><?xml version="1.0" encoding="utf-8"?>
 <p:sld xmlns:a="http://schemas.openxmlformats.org/drawingml/2006/main" xmlns:r="http://schemas.openxmlformats.org/officeDocument/2006/relationships" xmlns:p="http://schemas.openxmlformats.org/presentationml/2006/main">
   <p:cSld>
     <p:bg>
@@ -6510,7 +4211,13 @@
       </p:grpSpPr>
       <p:sp>
         <p:nvSpPr>
-          <p:cNvPr id="4" name="슬라이드 번호 개체 틀 3"/>
+          <p:cNvPr id="5" name="슬라이드 번호 개체 틀 3">
+            <a:extLst>
+              <a:ext uri="{FF2B5EF4-FFF2-40B4-BE49-F238E27FC236}">
+                <a16:creationId xmlns:a16="http://schemas.microsoft.com/office/drawing/2014/main" id="{F33380C6-69E2-4A83-9BD2-04C62FE5D24B}"/>
+              </a:ext>
+            </a:extLst>
+          </p:cNvPr>
           <p:cNvSpPr>
             <a:spLocks noGrp="1"/>
           </p:cNvSpPr>
@@ -6518,7 +4225,12 @@
             <p:ph type="sldNum" sz="quarter" idx="12"/>
           </p:nvPr>
         </p:nvSpPr>
-        <p:spPr/>
+        <p:spPr>
+          <a:xfrm>
+            <a:off x="9160679" y="6372598"/>
+            <a:ext cx="2837392" cy="364195"/>
+          </a:xfrm>
+        </p:spPr>
         <p:txBody>
           <a:bodyPr/>
           <a:lstStyle/>
@@ -6526,7 +4238,7 @@
             <a:fld id="{6DDAE2C3-1A0B-474A-8CE8-AE55B8D9D4B1}" type="slidenum">
               <a:rPr lang="ko-KR" altLang="en-US" smtClean="0"/>
               <a:pPr/>
-              <a:t>3</a:t>
+              <a:t>2</a:t>
             </a:fld>
             <a:endParaRPr lang="ko-KR" altLang="en-US" dirty="0"/>
           </a:p>
@@ -6534,23 +4246,25 @@
       </p:sp>
       <p:sp>
         <p:nvSpPr>
-          <p:cNvPr id="11" name="TextBox 10"/>
+          <p:cNvPr id="6" name="TextBox 5">
+            <a:extLst>
+              <a:ext uri="{FF2B5EF4-FFF2-40B4-BE49-F238E27FC236}">
+                <a16:creationId xmlns:a16="http://schemas.microsoft.com/office/drawing/2014/main" id="{8BF01066-6B0A-4FA1-8C23-4A69A6736913}"/>
+              </a:ext>
+            </a:extLst>
+          </p:cNvPr>
           <p:cNvSpPr txBox="1"/>
           <p:nvPr/>
         </p:nvSpPr>
         <p:spPr>
           <a:xfrm>
             <a:off x="542135" y="855851"/>
-            <a:ext cx="11082606" cy="2031325"/>
+            <a:ext cx="11298630" cy="2523768"/>
           </a:xfrm>
           <a:prstGeom prst="rect">
             <a:avLst/>
           </a:prstGeom>
-          <a:solidFill>
-            <a:schemeClr val="bg1">
-              <a:lumMod val="65000"/>
-            </a:schemeClr>
-          </a:solidFill>
+          <a:noFill/>
         </p:spPr>
         <p:txBody>
           <a:bodyPr wrap="square" lIns="0" tIns="0" rIns="0" bIns="0" rtlCol="0" anchor="t">
@@ -6566,17 +4280,7 @@
                 <a:latin typeface="Noto Sans CJK KR Black" panose="020B0A00000000000000" pitchFamily="34" charset="-127"/>
                 <a:ea typeface="Noto Sans CJK KR Black" panose="020B0A00000000000000" pitchFamily="34" charset="-127"/>
               </a:rPr>
-              <a:t>Part3: 6</a:t>
-            </a:r>
-            <a:r>
-              <a:rPr lang="ko-KR" altLang="en-US" sz="4400" dirty="0" err="1">
-                <a:solidFill>
-                  <a:schemeClr val="bg1"/>
-                </a:solidFill>
-                <a:latin typeface="Noto Sans CJK KR Black" panose="020B0A00000000000000" pitchFamily="34" charset="-127"/>
-                <a:ea typeface="Noto Sans CJK KR Black" panose="020B0A00000000000000" pitchFamily="34" charset="-127"/>
-              </a:rPr>
-              <a:t>회차</a:t>
+              <a:t>6</a:t>
             </a:r>
             <a:r>
               <a:rPr lang="ko-KR" altLang="en-US" sz="4400" dirty="0">
@@ -6586,20 +4290,8 @@
                 <a:latin typeface="Noto Sans CJK KR Black" panose="020B0A00000000000000" pitchFamily="34" charset="-127"/>
                 <a:ea typeface="Noto Sans CJK KR Black" panose="020B0A00000000000000" pitchFamily="34" charset="-127"/>
               </a:rPr>
-              <a:t> 강의의 목적</a:t>
-            </a:r>
-            <a:r>
-              <a:rPr lang="en-US" altLang="ko-KR" sz="4400" dirty="0">
-                <a:solidFill>
-                  <a:schemeClr val="bg1"/>
-                </a:solidFill>
-                <a:latin typeface="Noto Sans CJK KR Black" panose="020B0A00000000000000" pitchFamily="34" charset="-127"/>
-                <a:ea typeface="Noto Sans CJK KR Black" panose="020B0A00000000000000" pitchFamily="34" charset="-127"/>
-              </a:rPr>
-              <a:t>.</a:t>
-            </a:r>
-          </a:p>
-          <a:p>
+              <a:t>주차 강의의 목적</a:t>
+            </a:r>
             <a:endParaRPr lang="en-US" altLang="ko-KR" sz="4400" dirty="0">
               <a:solidFill>
                 <a:schemeClr val="bg1"/>
@@ -6609,8 +4301,26 @@
             </a:endParaRPr>
           </a:p>
           <a:p>
-            <a:r>
-              <a:rPr lang="en-US" altLang="ko-KR" sz="4400" dirty="0">
+            <a:endParaRPr lang="en-US" altLang="ko-KR" sz="4400" dirty="0">
+              <a:solidFill>
+                <a:schemeClr val="bg1"/>
+              </a:solidFill>
+              <a:latin typeface="Noto Sans CJK KR Black" panose="020B0A00000000000000" pitchFamily="34" charset="-127"/>
+              <a:ea typeface="Noto Sans CJK KR Black" panose="020B0A00000000000000" pitchFamily="34" charset="-127"/>
+            </a:endParaRPr>
+          </a:p>
+          <a:p>
+            <a:endParaRPr lang="en-US" altLang="ko-KR" sz="4400" dirty="0">
+              <a:solidFill>
+                <a:schemeClr val="bg1"/>
+              </a:solidFill>
+              <a:latin typeface="Noto Sans CJK KR Black" panose="020B0A00000000000000" pitchFamily="34" charset="-127"/>
+              <a:ea typeface="Noto Sans CJK KR Black" panose="020B0A00000000000000" pitchFamily="34" charset="-127"/>
+            </a:endParaRPr>
+          </a:p>
+          <a:p>
+            <a:r>
+              <a:rPr lang="en-US" altLang="ko-KR" sz="3200" dirty="0">
                 <a:solidFill>
                   <a:schemeClr val="bg1"/>
                 </a:solidFill>
@@ -6620,31 +4330,37 @@
               <a:t>“</a:t>
             </a:r>
             <a:r>
-              <a:rPr lang="ko-KR" altLang="en-US" sz="4400" dirty="0">
+              <a:rPr lang="ko-KR" altLang="en-US" sz="3200" dirty="0">
                 <a:solidFill>
                   <a:schemeClr val="bg1"/>
                 </a:solidFill>
                 <a:latin typeface="Noto Sans CJK KR Black" panose="020B0A00000000000000" pitchFamily="34" charset="-127"/>
                 <a:ea typeface="Noto Sans CJK KR Black" panose="020B0A00000000000000" pitchFamily="34" charset="-127"/>
               </a:rPr>
-              <a:t>시계열 알고리즘 준비 및 선형 모델링 이해하기 </a:t>
-            </a:r>
-            <a:r>
-              <a:rPr lang="en-US" altLang="ko-KR" sz="4400" dirty="0">
+              <a:t>시계열 알고리즘</a:t>
+            </a:r>
+            <a:r>
+              <a:rPr lang="en-US" altLang="ko-KR" sz="3200" dirty="0">
                 <a:solidFill>
                   <a:schemeClr val="bg1"/>
                 </a:solidFill>
                 <a:latin typeface="Noto Sans CJK KR Black" panose="020B0A00000000000000" pitchFamily="34" charset="-127"/>
                 <a:ea typeface="Noto Sans CJK KR Black" panose="020B0A00000000000000" pitchFamily="34" charset="-127"/>
               </a:rPr>
-              <a:t>”</a:t>
-            </a:r>
-          </a:p>
-        </p:txBody>
-      </p:sp>
-      <p:sp>
-        <p:nvSpPr>
-          <p:cNvPr id="12" name="TextBox 11"/>
+              <a:t>“</a:t>
+            </a:r>
+          </a:p>
+        </p:txBody>
+      </p:sp>
+      <p:sp>
+        <p:nvSpPr>
+          <p:cNvPr id="7" name="TextBox 6">
+            <a:extLst>
+              <a:ext uri="{FF2B5EF4-FFF2-40B4-BE49-F238E27FC236}">
+                <a16:creationId xmlns:a16="http://schemas.microsoft.com/office/drawing/2014/main" id="{9FE01AB0-92B6-48E5-9989-63C685E5911E}"/>
+              </a:ext>
+            </a:extLst>
+          </p:cNvPr>
           <p:cNvSpPr txBox="1"/>
           <p:nvPr/>
         </p:nvSpPr>
@@ -6683,6 +4399,90 @@
     <p:extLst>
       <p:ext uri="{BB962C8B-B14F-4D97-AF65-F5344CB8AC3E}">
         <p14:creationId xmlns:p14="http://schemas.microsoft.com/office/powerpoint/2010/main" val="3339102357"/>
+      </p:ext>
+    </p:extLst>
+  </p:cSld>
+  <p:clrMapOvr>
+    <a:masterClrMapping/>
+  </p:clrMapOvr>
+</p:sld>
+</file>
+
+<file path=ppt/slides/slide3.xml><?xml version="1.0" encoding="utf-8"?>
+<p:sld xmlns:a="http://schemas.openxmlformats.org/drawingml/2006/main" xmlns:r="http://schemas.openxmlformats.org/officeDocument/2006/relationships" xmlns:p="http://schemas.openxmlformats.org/presentationml/2006/main">
+  <p:cSld>
+    <p:spTree>
+      <p:nvGrpSpPr>
+        <p:cNvPr id="1" name=""/>
+        <p:cNvGrpSpPr/>
+        <p:nvPr/>
+      </p:nvGrpSpPr>
+      <p:grpSpPr>
+        <a:xfrm>
+          <a:off x="0" y="0"/>
+          <a:ext cx="0" cy="0"/>
+          <a:chOff x="0" y="0"/>
+          <a:chExt cx="0" cy="0"/>
+        </a:xfrm>
+      </p:grpSpPr>
+      <p:sp>
+        <p:nvSpPr>
+          <p:cNvPr id="15" name="슬라이드 번호 개체 틀 14"/>
+          <p:cNvSpPr>
+            <a:spLocks noGrp="1"/>
+          </p:cNvSpPr>
+          <p:nvPr>
+            <p:ph type="sldNum" sz="quarter" idx="12"/>
+          </p:nvPr>
+        </p:nvSpPr>
+        <p:spPr/>
+        <p:txBody>
+          <a:bodyPr/>
+          <a:lstStyle/>
+          <a:p>
+            <a:fld id="{6DDAE2C3-1A0B-474A-8CE8-AE55B8D9D4B1}" type="slidenum">
+              <a:rPr lang="ko-KR" altLang="en-US" smtClean="0"/>
+              <a:pPr/>
+              <a:t>3</a:t>
+            </a:fld>
+            <a:endParaRPr lang="ko-KR" altLang="en-US" dirty="0"/>
+          </a:p>
+        </p:txBody>
+      </p:sp>
+      <p:pic>
+        <p:nvPicPr>
+          <p:cNvPr id="7" name="그림 6">
+            <a:extLst>
+              <a:ext uri="{FF2B5EF4-FFF2-40B4-BE49-F238E27FC236}">
+                <a16:creationId xmlns:a16="http://schemas.microsoft.com/office/drawing/2014/main" id="{FFD28942-D859-4BF0-899D-A40CBFBF1EF0}"/>
+              </a:ext>
+            </a:extLst>
+          </p:cNvPr>
+          <p:cNvPicPr>
+            <a:picLocks noChangeAspect="1"/>
+          </p:cNvPicPr>
+          <p:nvPr/>
+        </p:nvPicPr>
+        <p:blipFill>
+          <a:blip r:embed="rId2"/>
+          <a:stretch>
+            <a:fillRect/>
+          </a:stretch>
+        </p:blipFill>
+        <p:spPr>
+          <a:xfrm>
+            <a:off x="4179887" y="377031"/>
+            <a:ext cx="3800475" cy="6086475"/>
+          </a:xfrm>
+          <a:prstGeom prst="rect">
+            <a:avLst/>
+          </a:prstGeom>
+        </p:spPr>
+      </p:pic>
+    </p:spTree>
+    <p:extLst>
+      <p:ext uri="{BB962C8B-B14F-4D97-AF65-F5344CB8AC3E}">
+        <p14:creationId xmlns:p14="http://schemas.microsoft.com/office/powerpoint/2010/main" val="2877754834"/>
       </p:ext>
     </p:extLst>
   </p:cSld>
@@ -6964,10 +4764,10 @@
       </p:sp>
       <p:pic>
         <p:nvPicPr>
-          <p:cNvPr id="4" name="그림 3">
+          <p:cNvPr id="2" name="그림 1">
             <a:extLst>
               <a:ext uri="{FF2B5EF4-FFF2-40B4-BE49-F238E27FC236}">
-                <a16:creationId xmlns:a16="http://schemas.microsoft.com/office/drawing/2014/main" id="{584CB225-FACE-4164-B606-E9E3B5D2B646}"/>
+                <a16:creationId xmlns:a16="http://schemas.microsoft.com/office/drawing/2014/main" id="{8379097C-122C-464E-BF14-13DEA04D17AD}"/>
               </a:ext>
             </a:extLst>
           </p:cNvPr>
@@ -6984,8 +4784,8 @@
         </p:blipFill>
         <p:spPr>
           <a:xfrm>
-            <a:off x="3127797" y="39688"/>
-            <a:ext cx="8715375" cy="6800850"/>
+            <a:off x="3127797" y="0"/>
+            <a:ext cx="8663502" cy="6840538"/>
           </a:xfrm>
           <a:prstGeom prst="rect">
             <a:avLst/>
@@ -7252,10 +5052,10 @@
       </p:sp>
       <p:pic>
         <p:nvPicPr>
-          <p:cNvPr id="2" name="그림 1">
+          <p:cNvPr id="4" name="그림 3">
             <a:extLst>
               <a:ext uri="{FF2B5EF4-FFF2-40B4-BE49-F238E27FC236}">
-                <a16:creationId xmlns:a16="http://schemas.microsoft.com/office/drawing/2014/main" id="{9F5DF43E-DDEC-416F-A95D-273DE84FC47C}"/>
+                <a16:creationId xmlns:a16="http://schemas.microsoft.com/office/drawing/2014/main" id="{519F4AA2-D2F5-4BCB-89F7-9BC6E0656247}"/>
               </a:ext>
             </a:extLst>
           </p:cNvPr>
@@ -7272,8 +5072,8 @@
         </p:blipFill>
         <p:spPr>
           <a:xfrm>
-            <a:off x="2546350" y="1698835"/>
-            <a:ext cx="7067550" cy="4867275"/>
+            <a:off x="2132012" y="1933948"/>
+            <a:ext cx="7896225" cy="4438650"/>
           </a:xfrm>
           <a:prstGeom prst="rect">
             <a:avLst/>
@@ -7396,10 +5196,10 @@
       </p:sp>
       <p:pic>
         <p:nvPicPr>
-          <p:cNvPr id="2" name="그림 1">
+          <p:cNvPr id="4" name="그림 3">
             <a:extLst>
               <a:ext uri="{FF2B5EF4-FFF2-40B4-BE49-F238E27FC236}">
-                <a16:creationId xmlns:a16="http://schemas.microsoft.com/office/drawing/2014/main" id="{778EFBE4-DF26-4A50-9CB0-4C17EBE5C470}"/>
+                <a16:creationId xmlns:a16="http://schemas.microsoft.com/office/drawing/2014/main" id="{F83F0543-E70D-4E3F-87EB-43976F79EC05}"/>
               </a:ext>
             </a:extLst>
           </p:cNvPr>
@@ -7416,8 +5216,8 @@
         </p:blipFill>
         <p:spPr>
           <a:xfrm>
-            <a:off x="2851150" y="2268141"/>
-            <a:ext cx="6457950" cy="3200400"/>
+            <a:off x="2074862" y="1567918"/>
+            <a:ext cx="8010525" cy="5172075"/>
           </a:xfrm>
           <a:prstGeom prst="rect">
             <a:avLst/>
@@ -7427,7 +5227,7 @@
     </p:spTree>
     <p:extLst>
       <p:ext uri="{BB962C8B-B14F-4D97-AF65-F5344CB8AC3E}">
-        <p14:creationId xmlns:p14="http://schemas.microsoft.com/office/powerpoint/2010/main" val="1225610205"/>
+        <p14:creationId xmlns:p14="http://schemas.microsoft.com/office/powerpoint/2010/main" val="3174824813"/>
       </p:ext>
     </p:extLst>
   </p:cSld>
@@ -7543,7 +5343,7 @@
           <p:cNvPr id="2" name="그림 1">
             <a:extLst>
               <a:ext uri="{FF2B5EF4-FFF2-40B4-BE49-F238E27FC236}">
-                <a16:creationId xmlns:a16="http://schemas.microsoft.com/office/drawing/2014/main" id="{778CF021-89D3-4555-AF93-29EF819B59BA}"/>
+                <a16:creationId xmlns:a16="http://schemas.microsoft.com/office/drawing/2014/main" id="{F6607186-3804-4000-B3E4-3FFB59FEB420}"/>
               </a:ext>
             </a:extLst>
           </p:cNvPr>
@@ -7560,8 +5360,8 @@
         </p:blipFill>
         <p:spPr>
           <a:xfrm>
-            <a:off x="5432053" y="0"/>
-            <a:ext cx="6016377" cy="6840538"/>
+            <a:off x="1936750" y="2313168"/>
+            <a:ext cx="8286750" cy="3419475"/>
           </a:xfrm>
           <a:prstGeom prst="rect">
             <a:avLst/>
@@ -7571,7 +5371,7 @@
     </p:spTree>
     <p:extLst>
       <p:ext uri="{BB962C8B-B14F-4D97-AF65-F5344CB8AC3E}">
-        <p14:creationId xmlns:p14="http://schemas.microsoft.com/office/powerpoint/2010/main" val="3907102650"/>
+        <p14:creationId xmlns:p14="http://schemas.microsoft.com/office/powerpoint/2010/main" val="1443725896"/>
       </p:ext>
     </p:extLst>
   </p:cSld>
